--- a/Wine Quality Analysis.pptx
+++ b/Wine Quality Analysis.pptx
@@ -5,39 +5,40 @@
     <p:sldMasterId id="2147483672" r:id="rId1"/>
   </p:sldMasterIdLst>
   <p:notesMasterIdLst>
-    <p:notesMasterId r:id="rId29"/>
+    <p:notesMasterId r:id="rId30"/>
   </p:notesMasterIdLst>
   <p:handoutMasterIdLst>
-    <p:handoutMasterId r:id="rId30"/>
+    <p:handoutMasterId r:id="rId31"/>
   </p:handoutMasterIdLst>
   <p:sldIdLst>
     <p:sldId id="270" r:id="rId2"/>
     <p:sldId id="271" r:id="rId3"/>
     <p:sldId id="273" r:id="rId4"/>
-    <p:sldId id="284" r:id="rId5"/>
-    <p:sldId id="283" r:id="rId6"/>
-    <p:sldId id="274" r:id="rId7"/>
-    <p:sldId id="285" r:id="rId8"/>
-    <p:sldId id="286" r:id="rId9"/>
-    <p:sldId id="275" r:id="rId10"/>
-    <p:sldId id="287" r:id="rId11"/>
-    <p:sldId id="288" r:id="rId12"/>
-    <p:sldId id="289" r:id="rId13"/>
-    <p:sldId id="276" r:id="rId14"/>
-    <p:sldId id="300" r:id="rId15"/>
-    <p:sldId id="277" r:id="rId16"/>
-    <p:sldId id="290" r:id="rId17"/>
-    <p:sldId id="291" r:id="rId18"/>
-    <p:sldId id="292" r:id="rId19"/>
-    <p:sldId id="295" r:id="rId20"/>
-    <p:sldId id="296" r:id="rId21"/>
-    <p:sldId id="293" r:id="rId22"/>
-    <p:sldId id="294" r:id="rId23"/>
-    <p:sldId id="297" r:id="rId24"/>
-    <p:sldId id="298" r:id="rId25"/>
-    <p:sldId id="299" r:id="rId26"/>
-    <p:sldId id="281" r:id="rId27"/>
-    <p:sldId id="282" r:id="rId28"/>
+    <p:sldId id="301" r:id="rId5"/>
+    <p:sldId id="284" r:id="rId6"/>
+    <p:sldId id="283" r:id="rId7"/>
+    <p:sldId id="274" r:id="rId8"/>
+    <p:sldId id="285" r:id="rId9"/>
+    <p:sldId id="286" r:id="rId10"/>
+    <p:sldId id="275" r:id="rId11"/>
+    <p:sldId id="287" r:id="rId12"/>
+    <p:sldId id="288" r:id="rId13"/>
+    <p:sldId id="289" r:id="rId14"/>
+    <p:sldId id="276" r:id="rId15"/>
+    <p:sldId id="300" r:id="rId16"/>
+    <p:sldId id="277" r:id="rId17"/>
+    <p:sldId id="290" r:id="rId18"/>
+    <p:sldId id="291" r:id="rId19"/>
+    <p:sldId id="292" r:id="rId20"/>
+    <p:sldId id="295" r:id="rId21"/>
+    <p:sldId id="296" r:id="rId22"/>
+    <p:sldId id="293" r:id="rId23"/>
+    <p:sldId id="294" r:id="rId24"/>
+    <p:sldId id="297" r:id="rId25"/>
+    <p:sldId id="298" r:id="rId26"/>
+    <p:sldId id="299" r:id="rId27"/>
+    <p:sldId id="281" r:id="rId28"/>
+    <p:sldId id="282" r:id="rId29"/>
   </p:sldIdLst>
   <p:sldSz cx="12192000" cy="6858000"/>
   <p:notesSz cx="6858000" cy="9144000"/>
@@ -4312,7 +4313,145 @@
               <a:rPr lang="en-US" dirty="0"/>
               <a:t>Exploratory Data Analysis</a:t>
             </a:r>
+          </a:p>
+        </p:txBody>
+      </p:sp>
+      <p:sp>
+        <p:nvSpPr>
+          <p:cNvPr id="3" name="Content Placeholder 2"/>
+          <p:cNvSpPr>
+            <a:spLocks noGrp="1"/>
+          </p:cNvSpPr>
+          <p:nvPr>
+            <p:ph idx="1"/>
+          </p:nvPr>
+        </p:nvSpPr>
+        <p:spPr/>
+        <p:txBody>
+          <a:bodyPr/>
+          <a:lstStyle/>
+          <a:p>
+            <a:r>
+              <a:rPr lang="en-US" dirty="0"/>
+              <a:t>Multivariate </a:t>
+            </a:r>
+            <a:r>
+              <a:rPr lang="en-US" dirty="0" smtClean="0"/>
+              <a:t>Analysis: Correlation Plot</a:t>
+            </a:r>
             <a:endParaRPr lang="en-US" dirty="0"/>
+          </a:p>
+        </p:txBody>
+      </p:sp>
+      <p:pic>
+        <p:nvPicPr>
+          <p:cNvPr id="4" name="Picture 3"/>
+          <p:cNvPicPr>
+            <a:picLocks noChangeAspect="1"/>
+          </p:cNvPicPr>
+          <p:nvPr/>
+        </p:nvPicPr>
+        <p:blipFill>
+          <a:blip r:embed="rId2"/>
+          <a:stretch>
+            <a:fillRect/>
+          </a:stretch>
+        </p:blipFill>
+        <p:spPr>
+          <a:xfrm>
+            <a:off x="609600" y="2254724"/>
+            <a:ext cx="4884752" cy="3850752"/>
+          </a:xfrm>
+          <a:prstGeom prst="rect">
+            <a:avLst/>
+          </a:prstGeom>
+        </p:spPr>
+      </p:pic>
+      <p:pic>
+        <p:nvPicPr>
+          <p:cNvPr id="5" name="Picture 4"/>
+          <p:cNvPicPr>
+            <a:picLocks noChangeAspect="1"/>
+          </p:cNvPicPr>
+          <p:nvPr/>
+        </p:nvPicPr>
+        <p:blipFill>
+          <a:blip r:embed="rId3"/>
+          <a:stretch>
+            <a:fillRect/>
+          </a:stretch>
+        </p:blipFill>
+        <p:spPr>
+          <a:xfrm>
+            <a:off x="5921783" y="2280124"/>
+            <a:ext cx="5660617" cy="3846039"/>
+          </a:xfrm>
+          <a:prstGeom prst="rect">
+            <a:avLst/>
+          </a:prstGeom>
+        </p:spPr>
+      </p:pic>
+    </p:spTree>
+    <p:extLst>
+      <p:ext uri="{BB962C8B-B14F-4D97-AF65-F5344CB8AC3E}">
+        <p14:creationId xmlns:p14="http://schemas.microsoft.com/office/powerpoint/2010/main" val="3629560857"/>
+      </p:ext>
+    </p:extLst>
+  </p:cSld>
+  <p:clrMapOvr>
+    <a:masterClrMapping/>
+  </p:clrMapOvr>
+  <mc:AlternateContent xmlns:mc="http://schemas.openxmlformats.org/markup-compatibility/2006" xmlns:p14="http://schemas.microsoft.com/office/powerpoint/2010/main">
+    <mc:Choice Requires="p14">
+      <p:transition spd="med" p14:dur="700">
+        <p:fade/>
+      </p:transition>
+    </mc:Choice>
+    <mc:Fallback xmlns="">
+      <p:transition spd="med">
+        <p:fade/>
+      </p:transition>
+    </mc:Fallback>
+  </mc:AlternateContent>
+</p:sld>
+</file>
+
+<file path=ppt/slides/slide11.xml><?xml version="1.0" encoding="utf-8"?>
+<p:sld xmlns:a="http://schemas.openxmlformats.org/drawingml/2006/main" xmlns:r="http://schemas.openxmlformats.org/officeDocument/2006/relationships" xmlns:p="http://schemas.openxmlformats.org/presentationml/2006/main">
+  <p:cSld>
+    <p:spTree>
+      <p:nvGrpSpPr>
+        <p:cNvPr id="1" name=""/>
+        <p:cNvGrpSpPr/>
+        <p:nvPr/>
+      </p:nvGrpSpPr>
+      <p:grpSpPr>
+        <a:xfrm>
+          <a:off x="0" y="0"/>
+          <a:ext cx="0" cy="0"/>
+          <a:chOff x="0" y="0"/>
+          <a:chExt cx="0" cy="0"/>
+        </a:xfrm>
+      </p:grpSpPr>
+      <p:sp>
+        <p:nvSpPr>
+          <p:cNvPr id="2" name="Title 1"/>
+          <p:cNvSpPr>
+            <a:spLocks noGrp="1"/>
+          </p:cNvSpPr>
+          <p:nvPr>
+            <p:ph type="title"/>
+          </p:nvPr>
+        </p:nvSpPr>
+        <p:spPr/>
+        <p:txBody>
+          <a:bodyPr/>
+          <a:lstStyle/>
+          <a:p>
+            <a:r>
+              <a:rPr lang="en-US" dirty="0"/>
+              <a:t>Exploratory Data Analysis</a:t>
+            </a:r>
           </a:p>
         </p:txBody>
       </p:sp>
@@ -4416,7 +4555,7 @@
 </p:sld>
 </file>
 
-<file path=ppt/slides/slide11.xml><?xml version="1.0" encoding="utf-8"?>
+<file path=ppt/slides/slide12.xml><?xml version="1.0" encoding="utf-8"?>
 <p:sld xmlns:a="http://schemas.openxmlformats.org/drawingml/2006/main" xmlns:r="http://schemas.openxmlformats.org/officeDocument/2006/relationships" xmlns:p="http://schemas.openxmlformats.org/presentationml/2006/main">
   <p:cSld>
     <p:spTree>
@@ -4452,7 +4591,6 @@
               <a:rPr lang="en-US" dirty="0"/>
               <a:t>Exploratory Data Analysis</a:t>
             </a:r>
-            <a:endParaRPr lang="en-US" dirty="0"/>
           </a:p>
         </p:txBody>
       </p:sp>
@@ -4556,7 +4694,7 @@
 </p:sld>
 </file>
 
-<file path=ppt/slides/slide12.xml><?xml version="1.0" encoding="utf-8"?>
+<file path=ppt/slides/slide13.xml><?xml version="1.0" encoding="utf-8"?>
 <p:sld xmlns:a="http://schemas.openxmlformats.org/drawingml/2006/main" xmlns:r="http://schemas.openxmlformats.org/officeDocument/2006/relationships" xmlns:p="http://schemas.openxmlformats.org/presentationml/2006/main">
   <p:cSld>
     <p:spTree>
@@ -4743,7 +4881,7 @@
 </p:sld>
 </file>
 
-<file path=ppt/slides/slide13.xml><?xml version="1.0" encoding="utf-8"?>
+<file path=ppt/slides/slide14.xml><?xml version="1.0" encoding="utf-8"?>
 <p:sld xmlns:a="http://schemas.openxmlformats.org/drawingml/2006/main" xmlns:r="http://schemas.openxmlformats.org/officeDocument/2006/relationships" xmlns:p="http://schemas.openxmlformats.org/presentationml/2006/main">
   <p:cSld>
     <p:spTree>
@@ -4875,7 +5013,7 @@
 </p:sld>
 </file>
 
-<file path=ppt/slides/slide14.xml><?xml version="1.0" encoding="utf-8"?>
+<file path=ppt/slides/slide15.xml><?xml version="1.0" encoding="utf-8"?>
 <p:sld xmlns:a="http://schemas.openxmlformats.org/drawingml/2006/main" xmlns:r="http://schemas.openxmlformats.org/officeDocument/2006/relationships" xmlns:p="http://schemas.openxmlformats.org/presentationml/2006/main">
   <p:cSld>
     <p:spTree>
@@ -4987,7 +5125,7 @@
 </p:sld>
 </file>
 
-<file path=ppt/slides/slide15.xml><?xml version="1.0" encoding="utf-8"?>
+<file path=ppt/slides/slide16.xml><?xml version="1.0" encoding="utf-8"?>
 <p:sld xmlns:a="http://schemas.openxmlformats.org/drawingml/2006/main" xmlns:r="http://schemas.openxmlformats.org/officeDocument/2006/relationships" xmlns:p="http://schemas.openxmlformats.org/presentationml/2006/main">
   <p:cSld>
     <p:spTree>
@@ -5126,7 +5264,7 @@
 </p:sld>
 </file>
 
-<file path=ppt/slides/slide16.xml><?xml version="1.0" encoding="utf-8"?>
+<file path=ppt/slides/slide17.xml><?xml version="1.0" encoding="utf-8"?>
 <p:sld xmlns:a="http://schemas.openxmlformats.org/drawingml/2006/main" xmlns:r="http://schemas.openxmlformats.org/officeDocument/2006/relationships" xmlns:p="http://schemas.openxmlformats.org/presentationml/2006/main">
   <p:cSld>
     <p:spTree>
@@ -5311,7 +5449,7 @@
 </p:sld>
 </file>
 
-<file path=ppt/slides/slide17.xml><?xml version="1.0" encoding="utf-8"?>
+<file path=ppt/slides/slide18.xml><?xml version="1.0" encoding="utf-8"?>
 <p:sld xmlns:a="http://schemas.openxmlformats.org/drawingml/2006/main" xmlns:r="http://schemas.openxmlformats.org/officeDocument/2006/relationships" xmlns:p="http://schemas.openxmlformats.org/presentationml/2006/main">
   <p:cSld>
     <p:spTree>
@@ -5424,7 +5562,7 @@
 </p:sld>
 </file>
 
-<file path=ppt/slides/slide18.xml><?xml version="1.0" encoding="utf-8"?>
+<file path=ppt/slides/slide19.xml><?xml version="1.0" encoding="utf-8"?>
 <p:sld xmlns:a="http://schemas.openxmlformats.org/drawingml/2006/main" xmlns:r="http://schemas.openxmlformats.org/officeDocument/2006/relationships" xmlns:p="http://schemas.openxmlformats.org/presentationml/2006/main">
   <p:cSld>
     <p:spTree>
@@ -5537,7 +5675,144 @@
 </p:sld>
 </file>
 
-<file path=ppt/slides/slide19.xml><?xml version="1.0" encoding="utf-8"?>
+<file path=ppt/slides/slide2.xml><?xml version="1.0" encoding="utf-8"?>
+<p:sld xmlns:a="http://schemas.openxmlformats.org/drawingml/2006/main" xmlns:r="http://schemas.openxmlformats.org/officeDocument/2006/relationships" xmlns:p="http://schemas.openxmlformats.org/presentationml/2006/main">
+  <p:cSld>
+    <p:spTree>
+      <p:nvGrpSpPr>
+        <p:cNvPr id="1" name=""/>
+        <p:cNvGrpSpPr/>
+        <p:nvPr/>
+      </p:nvGrpSpPr>
+      <p:grpSpPr>
+        <a:xfrm>
+          <a:off x="0" y="0"/>
+          <a:ext cx="0" cy="0"/>
+          <a:chOff x="0" y="0"/>
+          <a:chExt cx="0" cy="0"/>
+        </a:xfrm>
+      </p:grpSpPr>
+      <p:sp>
+        <p:nvSpPr>
+          <p:cNvPr id="2" name="Title 1"/>
+          <p:cNvSpPr>
+            <a:spLocks noGrp="1"/>
+          </p:cNvSpPr>
+          <p:nvPr>
+            <p:ph type="title"/>
+          </p:nvPr>
+        </p:nvSpPr>
+        <p:spPr/>
+        <p:txBody>
+          <a:bodyPr/>
+          <a:lstStyle/>
+          <a:p>
+            <a:r>
+              <a:rPr lang="en-US" dirty="0"/>
+              <a:t>Agenda</a:t>
+            </a:r>
+          </a:p>
+        </p:txBody>
+      </p:sp>
+      <p:sp>
+        <p:nvSpPr>
+          <p:cNvPr id="3" name="Content Placeholder 2"/>
+          <p:cNvSpPr>
+            <a:spLocks noGrp="1"/>
+          </p:cNvSpPr>
+          <p:nvPr>
+            <p:ph idx="1"/>
+          </p:nvPr>
+        </p:nvSpPr>
+        <p:spPr/>
+        <p:txBody>
+          <a:bodyPr/>
+          <a:lstStyle/>
+          <a:p>
+            <a:r>
+              <a:rPr lang="en-US"/>
+              <a:t>Review of Key Objectives &amp; Critical Success Factors.</a:t>
+            </a:r>
+          </a:p>
+          <a:p>
+            <a:r>
+              <a:rPr lang="en-US"/>
+              <a:t>How did we do?</a:t>
+            </a:r>
+          </a:p>
+          <a:p>
+            <a:r>
+              <a:rPr lang="en-US"/>
+              <a:t>Organizational Overview</a:t>
+            </a:r>
+          </a:p>
+          <a:p>
+            <a:r>
+              <a:rPr lang="en-US"/>
+              <a:t>Top Issues Facing Company.</a:t>
+            </a:r>
+          </a:p>
+          <a:p>
+            <a:r>
+              <a:rPr lang="en-US"/>
+              <a:t>Review of and Progress Against Prior Goals.</a:t>
+            </a:r>
+          </a:p>
+          <a:p>
+            <a:r>
+              <a:rPr lang="en-US"/>
+              <a:t>Revenue and Profit.</a:t>
+            </a:r>
+          </a:p>
+          <a:p>
+            <a:r>
+              <a:rPr lang="en-US"/>
+              <a:t>Key Spending Areas.</a:t>
+            </a:r>
+          </a:p>
+          <a:p>
+            <a:r>
+              <a:rPr lang="en-US"/>
+              <a:t>Headcount</a:t>
+            </a:r>
+          </a:p>
+          <a:p>
+            <a:r>
+              <a:rPr lang="en-US"/>
+              <a:t>Goals for Next Period.</a:t>
+            </a:r>
+          </a:p>
+          <a:p>
+            <a:endParaRPr lang="en-US" dirty="0"/>
+          </a:p>
+        </p:txBody>
+      </p:sp>
+    </p:spTree>
+    <p:extLst>
+      <p:ext uri="{BB962C8B-B14F-4D97-AF65-F5344CB8AC3E}">
+        <p14:creationId xmlns:p14="http://schemas.microsoft.com/office/powerpoint/2010/main" val="3410528100"/>
+      </p:ext>
+    </p:extLst>
+  </p:cSld>
+  <p:clrMapOvr>
+    <a:masterClrMapping/>
+  </p:clrMapOvr>
+  <mc:AlternateContent xmlns:mc="http://schemas.openxmlformats.org/markup-compatibility/2006" xmlns:p14="http://schemas.microsoft.com/office/powerpoint/2010/main">
+    <mc:Choice Requires="p14">
+      <p:transition spd="med" p14:dur="700">
+        <p:fade/>
+      </p:transition>
+    </mc:Choice>
+    <mc:Fallback xmlns="">
+      <p:transition spd="med">
+        <p:fade/>
+      </p:transition>
+    </mc:Fallback>
+  </mc:AlternateContent>
+</p:sld>
+</file>
+
+<file path=ppt/slides/slide20.xml><?xml version="1.0" encoding="utf-8"?>
 <p:sld xmlns:a="http://schemas.openxmlformats.org/drawingml/2006/main" xmlns:r="http://schemas.openxmlformats.org/officeDocument/2006/relationships" xmlns:p="http://schemas.openxmlformats.org/presentationml/2006/main">
   <p:cSld>
     <p:spTree>
@@ -5650,144 +5925,7 @@
 </p:sld>
 </file>
 
-<file path=ppt/slides/slide2.xml><?xml version="1.0" encoding="utf-8"?>
-<p:sld xmlns:a="http://schemas.openxmlformats.org/drawingml/2006/main" xmlns:r="http://schemas.openxmlformats.org/officeDocument/2006/relationships" xmlns:p="http://schemas.openxmlformats.org/presentationml/2006/main">
-  <p:cSld>
-    <p:spTree>
-      <p:nvGrpSpPr>
-        <p:cNvPr id="1" name=""/>
-        <p:cNvGrpSpPr/>
-        <p:nvPr/>
-      </p:nvGrpSpPr>
-      <p:grpSpPr>
-        <a:xfrm>
-          <a:off x="0" y="0"/>
-          <a:ext cx="0" cy="0"/>
-          <a:chOff x="0" y="0"/>
-          <a:chExt cx="0" cy="0"/>
-        </a:xfrm>
-      </p:grpSpPr>
-      <p:sp>
-        <p:nvSpPr>
-          <p:cNvPr id="2" name="Title 1"/>
-          <p:cNvSpPr>
-            <a:spLocks noGrp="1"/>
-          </p:cNvSpPr>
-          <p:nvPr>
-            <p:ph type="title"/>
-          </p:nvPr>
-        </p:nvSpPr>
-        <p:spPr/>
-        <p:txBody>
-          <a:bodyPr/>
-          <a:lstStyle/>
-          <a:p>
-            <a:r>
-              <a:rPr lang="en-US" dirty="0"/>
-              <a:t>Agenda</a:t>
-            </a:r>
-          </a:p>
-        </p:txBody>
-      </p:sp>
-      <p:sp>
-        <p:nvSpPr>
-          <p:cNvPr id="3" name="Content Placeholder 2"/>
-          <p:cNvSpPr>
-            <a:spLocks noGrp="1"/>
-          </p:cNvSpPr>
-          <p:nvPr>
-            <p:ph idx="1"/>
-          </p:nvPr>
-        </p:nvSpPr>
-        <p:spPr/>
-        <p:txBody>
-          <a:bodyPr/>
-          <a:lstStyle/>
-          <a:p>
-            <a:r>
-              <a:rPr lang="en-US"/>
-              <a:t>Review of Key Objectives &amp; Critical Success Factors.</a:t>
-            </a:r>
-          </a:p>
-          <a:p>
-            <a:r>
-              <a:rPr lang="en-US"/>
-              <a:t>How did we do?</a:t>
-            </a:r>
-          </a:p>
-          <a:p>
-            <a:r>
-              <a:rPr lang="en-US"/>
-              <a:t>Organizational Overview</a:t>
-            </a:r>
-          </a:p>
-          <a:p>
-            <a:r>
-              <a:rPr lang="en-US"/>
-              <a:t>Top Issues Facing Company.</a:t>
-            </a:r>
-          </a:p>
-          <a:p>
-            <a:r>
-              <a:rPr lang="en-US"/>
-              <a:t>Review of and Progress Against Prior Goals.</a:t>
-            </a:r>
-          </a:p>
-          <a:p>
-            <a:r>
-              <a:rPr lang="en-US"/>
-              <a:t>Revenue and Profit.</a:t>
-            </a:r>
-          </a:p>
-          <a:p>
-            <a:r>
-              <a:rPr lang="en-US"/>
-              <a:t>Key Spending Areas.</a:t>
-            </a:r>
-          </a:p>
-          <a:p>
-            <a:r>
-              <a:rPr lang="en-US"/>
-              <a:t>Headcount</a:t>
-            </a:r>
-          </a:p>
-          <a:p>
-            <a:r>
-              <a:rPr lang="en-US"/>
-              <a:t>Goals for Next Period.</a:t>
-            </a:r>
-          </a:p>
-          <a:p>
-            <a:endParaRPr lang="en-US" dirty="0"/>
-          </a:p>
-        </p:txBody>
-      </p:sp>
-    </p:spTree>
-    <p:extLst>
-      <p:ext uri="{BB962C8B-B14F-4D97-AF65-F5344CB8AC3E}">
-        <p14:creationId xmlns:p14="http://schemas.microsoft.com/office/powerpoint/2010/main" val="3410528100"/>
-      </p:ext>
-    </p:extLst>
-  </p:cSld>
-  <p:clrMapOvr>
-    <a:masterClrMapping/>
-  </p:clrMapOvr>
-  <mc:AlternateContent xmlns:mc="http://schemas.openxmlformats.org/markup-compatibility/2006" xmlns:p14="http://schemas.microsoft.com/office/powerpoint/2010/main">
-    <mc:Choice Requires="p14">
-      <p:transition spd="med" p14:dur="700">
-        <p:fade/>
-      </p:transition>
-    </mc:Choice>
-    <mc:Fallback xmlns="">
-      <p:transition spd="med">
-        <p:fade/>
-      </p:transition>
-    </mc:Fallback>
-  </mc:AlternateContent>
-</p:sld>
-</file>
-
-<file path=ppt/slides/slide20.xml><?xml version="1.0" encoding="utf-8"?>
+<file path=ppt/slides/slide21.xml><?xml version="1.0" encoding="utf-8"?>
 <p:sld xmlns:a="http://schemas.openxmlformats.org/drawingml/2006/main" xmlns:r="http://schemas.openxmlformats.org/officeDocument/2006/relationships" xmlns:p="http://schemas.openxmlformats.org/presentationml/2006/main">
   <p:cSld>
     <p:spTree>
@@ -5924,7 +6062,7 @@
 </p:sld>
 </file>
 
-<file path=ppt/slides/slide21.xml><?xml version="1.0" encoding="utf-8"?>
+<file path=ppt/slides/slide22.xml><?xml version="1.0" encoding="utf-8"?>
 <p:sld xmlns:a="http://schemas.openxmlformats.org/drawingml/2006/main" xmlns:r="http://schemas.openxmlformats.org/officeDocument/2006/relationships" xmlns:p="http://schemas.openxmlformats.org/presentationml/2006/main">
   <p:cSld>
     <p:spTree>
@@ -6037,7 +6175,7 @@
 </p:sld>
 </file>
 
-<file path=ppt/slides/slide22.xml><?xml version="1.0" encoding="utf-8"?>
+<file path=ppt/slides/slide23.xml><?xml version="1.0" encoding="utf-8"?>
 <p:sld xmlns:a="http://schemas.openxmlformats.org/drawingml/2006/main" xmlns:r="http://schemas.openxmlformats.org/officeDocument/2006/relationships" xmlns:p="http://schemas.openxmlformats.org/presentationml/2006/main">
   <p:cSld>
     <p:spTree>
@@ -6073,7 +6211,6 @@
               <a:rPr lang="en-US" dirty="0"/>
               <a:t>Cluster Analysis</a:t>
             </a:r>
-            <a:endParaRPr lang="en-US" dirty="0"/>
           </a:p>
         </p:txBody>
       </p:sp>
@@ -6174,7 +6311,7 @@
 </p:sld>
 </file>
 
-<file path=ppt/slides/slide23.xml><?xml version="1.0" encoding="utf-8"?>
+<file path=ppt/slides/slide24.xml><?xml version="1.0" encoding="utf-8"?>
 <p:sld xmlns:a="http://schemas.openxmlformats.org/drawingml/2006/main" xmlns:r="http://schemas.openxmlformats.org/officeDocument/2006/relationships" xmlns:p="http://schemas.openxmlformats.org/presentationml/2006/main">
   <p:cSld>
     <p:spTree>
@@ -6335,7 +6472,7 @@
 </p:sld>
 </file>
 
-<file path=ppt/slides/slide24.xml><?xml version="1.0" encoding="utf-8"?>
+<file path=ppt/slides/slide25.xml><?xml version="1.0" encoding="utf-8"?>
 <p:sld xmlns:a="http://schemas.openxmlformats.org/drawingml/2006/main" xmlns:r="http://schemas.openxmlformats.org/officeDocument/2006/relationships" xmlns:p="http://schemas.openxmlformats.org/presentationml/2006/main">
   <p:cSld>
     <p:spTree>
@@ -6496,7 +6633,7 @@
 </p:sld>
 </file>
 
-<file path=ppt/slides/slide25.xml><?xml version="1.0" encoding="utf-8"?>
+<file path=ppt/slides/slide26.xml><?xml version="1.0" encoding="utf-8"?>
 <p:sld xmlns:a="http://schemas.openxmlformats.org/drawingml/2006/main" xmlns:r="http://schemas.openxmlformats.org/officeDocument/2006/relationships" xmlns:p="http://schemas.openxmlformats.org/presentationml/2006/main">
   <p:cSld>
     <p:spTree>
@@ -6657,7 +6794,7 @@
 </p:sld>
 </file>
 
-<file path=ppt/slides/slide26.xml><?xml version="1.0" encoding="utf-8"?>
+<file path=ppt/slides/slide27.xml><?xml version="1.0" encoding="utf-8"?>
 <p:sld xmlns:a="http://schemas.openxmlformats.org/drawingml/2006/main" xmlns:r="http://schemas.openxmlformats.org/officeDocument/2006/relationships" xmlns:p="http://schemas.openxmlformats.org/presentationml/2006/main">
   <p:cSld>
     <p:spTree>
@@ -6860,7 +6997,7 @@
 </p:sld>
 </file>
 
-<file path=ppt/slides/slide27.xml><?xml version="1.0" encoding="utf-8"?>
+<file path=ppt/slides/slide28.xml><?xml version="1.0" encoding="utf-8"?>
 <p:sld xmlns:a="http://schemas.openxmlformats.org/drawingml/2006/main" xmlns:r="http://schemas.openxmlformats.org/officeDocument/2006/relationships" xmlns:p="http://schemas.openxmlformats.org/presentationml/2006/main">
   <p:cSld>
     <p:spTree>
@@ -7119,7 +7256,7 @@
           <a:p>
             <a:r>
               <a:rPr lang="en-US" dirty="0" smtClean="0"/>
-              <a:t>About Data</a:t>
+              <a:t>Data Collection</a:t>
             </a:r>
             <a:endParaRPr lang="en-US" dirty="0"/>
           </a:p>
@@ -7137,171 +7274,62 @@
         </p:nvSpPr>
         <p:spPr/>
         <p:txBody>
-          <a:bodyPr>
-            <a:normAutofit/>
-          </a:bodyPr>
+          <a:bodyPr/>
           <a:lstStyle/>
           <a:p>
-            <a:pPr marL="0" indent="0">
-              <a:lnSpc>
-                <a:spcPct val="70000"/>
-              </a:lnSpc>
-              <a:buNone/>
-            </a:pPr>
-            <a:r>
-              <a:rPr lang="en-US" sz="2000" b="1" dirty="0">
-                <a:latin typeface="Times New Roman" panose="02020603050405020304" pitchFamily="18" charset="0"/>
-                <a:cs typeface="Times New Roman" panose="02020603050405020304" pitchFamily="18" charset="0"/>
-              </a:rPr>
-              <a:t>Description:</a:t>
-            </a:r>
-          </a:p>
-          <a:p>
-            <a:pPr marL="0" indent="0">
-              <a:lnSpc>
-                <a:spcPct val="70000"/>
-              </a:lnSpc>
-              <a:buNone/>
-            </a:pPr>
-            <a:endParaRPr lang="en-US" sz="2000" b="1" dirty="0">
-              <a:latin typeface="Times New Roman" panose="02020603050405020304" pitchFamily="18" charset="0"/>
-              <a:cs typeface="Times New Roman" panose="02020603050405020304" pitchFamily="18" charset="0"/>
-            </a:endParaRPr>
-          </a:p>
-          <a:p>
-            <a:pPr marL="0" indent="0">
-              <a:lnSpc>
-                <a:spcPct val="70000"/>
-              </a:lnSpc>
-              <a:buNone/>
-            </a:pPr>
-            <a:r>
-              <a:rPr lang="en-US" sz="2000" dirty="0">
-                <a:latin typeface="Times New Roman" panose="02020603050405020304" pitchFamily="18" charset="0"/>
-                <a:cs typeface="Times New Roman" panose="02020603050405020304" pitchFamily="18" charset="0"/>
-              </a:rPr>
-              <a:t>This dataset pertains to red variations of Portuguese “</a:t>
-            </a:r>
-            <a:r>
-              <a:rPr lang="en-US" sz="2000" dirty="0" err="1">
-                <a:latin typeface="Times New Roman" panose="02020603050405020304" pitchFamily="18" charset="0"/>
-                <a:cs typeface="Times New Roman" panose="02020603050405020304" pitchFamily="18" charset="0"/>
-              </a:rPr>
+            <a:r>
+              <a:rPr lang="en-US" b="1" dirty="0" err="1" smtClean="0"/>
+              <a:t>Kaggle</a:t>
+            </a:r>
+            <a:r>
+              <a:rPr lang="en-US" dirty="0" smtClean="0"/>
+              <a:t> link</a:t>
+            </a:r>
+            <a:r>
+              <a:rPr lang="en-US" dirty="0"/>
+              <a:t>: https://www.kaggle.com/datasets/yasserh/wine-quality-datasetWe </a:t>
+            </a:r>
+            <a:r>
+              <a:rPr lang="en-US" dirty="0"/>
+              <a:t>aim to investigate how these chemical components influence the wine's quality rating, which ranges from 0 to 10. </a:t>
+            </a:r>
+            <a:endParaRPr lang="en-US" dirty="0" smtClean="0"/>
+          </a:p>
+          <a:p>
+            <a:r>
+              <a:rPr lang="en-US" dirty="0"/>
+              <a:t>This dataset pertains to red variations of Portuguese "</a:t>
+            </a:r>
+            <a:r>
+              <a:rPr lang="en-US" dirty="0" err="1"/>
               <a:t>Vinho</a:t>
             </a:r>
             <a:r>
-              <a:rPr lang="en-US" sz="2000" dirty="0">
-                <a:latin typeface="Times New Roman" panose="02020603050405020304" pitchFamily="18" charset="0"/>
-                <a:cs typeface="Times New Roman" panose="02020603050405020304" pitchFamily="18" charset="0"/>
-              </a:rPr>
-              <a:t> Verde” wine. It contains information about the quantities of different chemicals found in the wine and how they influence its overall quality. The dataset can be approached as either a classification or regression task. However, it’s important to note that the classes are ordered and not evenly distributed; for instance, there are more instances of normal-quality wines compared to excellent or poor ones.</a:t>
-            </a:r>
-          </a:p>
-          <a:p>
-            <a:pPr marL="0" indent="0">
-              <a:lnSpc>
-                <a:spcPct val="70000"/>
-              </a:lnSpc>
-              <a:buNone/>
-            </a:pPr>
-            <a:endParaRPr lang="en-US" sz="2000" dirty="0">
-              <a:latin typeface="Times New Roman" panose="02020603050405020304" pitchFamily="18" charset="0"/>
-              <a:cs typeface="Times New Roman" panose="02020603050405020304" pitchFamily="18" charset="0"/>
-            </a:endParaRPr>
-          </a:p>
-          <a:p>
-            <a:pPr marL="0" indent="0">
-              <a:lnSpc>
-                <a:spcPct val="70000"/>
-              </a:lnSpc>
-              <a:buNone/>
-            </a:pPr>
-            <a:r>
-              <a:rPr lang="en-US" sz="2000" dirty="0">
-                <a:latin typeface="Times New Roman" panose="02020603050405020304" pitchFamily="18" charset="0"/>
-                <a:cs typeface="Times New Roman" panose="02020603050405020304" pitchFamily="18" charset="0"/>
-              </a:rPr>
-              <a:t>Your objective is to use the provided data to predict the quality of wine. This project presents a straightforward yet demanding task: forecasting the quality of wine</a:t>
-            </a:r>
-            <a:r>
-              <a:rPr lang="en-US" sz="2000" dirty="0" smtClean="0">
-                <a:latin typeface="Times New Roman" panose="02020603050405020304" pitchFamily="18" charset="0"/>
-                <a:cs typeface="Times New Roman" panose="02020603050405020304" pitchFamily="18" charset="0"/>
-              </a:rPr>
+              <a:rPr lang="en-US" dirty="0"/>
+              <a:t> Verde" wine. It contains information about the quantities of different chemicals found in the wine and how they influence its overall quality. The dataset can be approached as either a classification or regression task. However, it's important to note that the classes are ordered and not evenly distributed; for instance, there are more instances of normal-quality wines compared to excellent or poor ones</a:t>
+            </a:r>
+            <a:r>
+              <a:rPr lang="en-US" dirty="0" smtClean="0"/>
               <a:t>.</a:t>
             </a:r>
           </a:p>
           <a:p>
-            <a:pPr marL="0" indent="0">
-              <a:lnSpc>
-                <a:spcPct val="70000"/>
-              </a:lnSpc>
-              <a:buNone/>
-            </a:pPr>
-            <a:endParaRPr lang="en-US" sz="2000" dirty="0">
-              <a:latin typeface="Times New Roman" panose="02020603050405020304" pitchFamily="18" charset="0"/>
-              <a:cs typeface="Times New Roman" panose="02020603050405020304" pitchFamily="18" charset="0"/>
-            </a:endParaRPr>
-          </a:p>
-          <a:p>
-            <a:pPr marL="0" indent="0">
-              <a:lnSpc>
-                <a:spcPct val="70000"/>
-              </a:lnSpc>
-              <a:buNone/>
-            </a:pPr>
-            <a:r>
-              <a:rPr lang="en-US" sz="2000" dirty="0" smtClean="0">
-                <a:latin typeface="Times New Roman" panose="02020603050405020304" pitchFamily="18" charset="0"/>
-                <a:cs typeface="Times New Roman" panose="02020603050405020304" pitchFamily="18" charset="0"/>
-              </a:rPr>
-              <a:t>Number of Columns: 12</a:t>
-            </a:r>
-          </a:p>
-          <a:p>
-            <a:pPr marL="0" indent="0">
-              <a:lnSpc>
-                <a:spcPct val="70000"/>
-              </a:lnSpc>
-              <a:buNone/>
-            </a:pPr>
-            <a:endParaRPr lang="en-US" sz="2000" dirty="0">
-              <a:latin typeface="Times New Roman" panose="02020603050405020304" pitchFamily="18" charset="0"/>
-              <a:cs typeface="Times New Roman" panose="02020603050405020304" pitchFamily="18" charset="0"/>
-            </a:endParaRPr>
-          </a:p>
-          <a:p>
-            <a:pPr marL="0" indent="0">
-              <a:lnSpc>
-                <a:spcPct val="70000"/>
-              </a:lnSpc>
-              <a:buNone/>
-            </a:pPr>
-            <a:r>
-              <a:rPr lang="en-US" sz="2000" dirty="0" smtClean="0">
-                <a:latin typeface="Times New Roman" panose="02020603050405020304" pitchFamily="18" charset="0"/>
-                <a:cs typeface="Times New Roman" panose="02020603050405020304" pitchFamily="18" charset="0"/>
-              </a:rPr>
-              <a:t>Number of Rows: </a:t>
-            </a:r>
-            <a:r>
-              <a:rPr lang="en-US" sz="2000" dirty="0">
-                <a:latin typeface="Times New Roman" panose="02020603050405020304" pitchFamily="18" charset="0"/>
-                <a:cs typeface="Times New Roman" panose="02020603050405020304" pitchFamily="18" charset="0"/>
-              </a:rPr>
-              <a:t>1599</a:t>
-            </a:r>
-            <a:endParaRPr lang="en-US" sz="2000" dirty="0">
-              <a:latin typeface="Times New Roman" panose="02020603050405020304" pitchFamily="18" charset="0"/>
-              <a:cs typeface="Times New Roman" panose="02020603050405020304" pitchFamily="18" charset="0"/>
-            </a:endParaRPr>
+            <a:r>
+              <a:rPr lang="en-US" dirty="0" err="1"/>
+              <a:t>Updation</a:t>
+            </a:r>
+            <a:r>
+              <a:rPr lang="en-US" dirty="0"/>
+              <a:t> frequency: Annually </a:t>
+            </a:r>
+            <a:endParaRPr lang="en-US" dirty="0"/>
           </a:p>
         </p:txBody>
       </p:sp>
     </p:spTree>
     <p:extLst>
       <p:ext uri="{BB962C8B-B14F-4D97-AF65-F5344CB8AC3E}">
-        <p14:creationId xmlns:p14="http://schemas.microsoft.com/office/powerpoint/2010/main" val="453573729"/>
+        <p14:creationId xmlns:p14="http://schemas.microsoft.com/office/powerpoint/2010/main" val="1986789041"/>
       </p:ext>
     </p:extLst>
   </p:cSld>
@@ -7376,6 +7404,240 @@
         <p:spPr/>
         <p:txBody>
           <a:bodyPr>
+            <a:normAutofit/>
+          </a:bodyPr>
+          <a:lstStyle/>
+          <a:p>
+            <a:pPr marL="0" indent="0">
+              <a:lnSpc>
+                <a:spcPct val="70000"/>
+              </a:lnSpc>
+              <a:buNone/>
+            </a:pPr>
+            <a:r>
+              <a:rPr lang="en-US" sz="2000" b="1" dirty="0">
+                <a:latin typeface="Times New Roman" panose="02020603050405020304" pitchFamily="18" charset="0"/>
+                <a:cs typeface="Times New Roman" panose="02020603050405020304" pitchFamily="18" charset="0"/>
+              </a:rPr>
+              <a:t>Description:</a:t>
+            </a:r>
+          </a:p>
+          <a:p>
+            <a:pPr marL="0" indent="0">
+              <a:lnSpc>
+                <a:spcPct val="70000"/>
+              </a:lnSpc>
+              <a:buNone/>
+            </a:pPr>
+            <a:endParaRPr lang="en-US" sz="2000" b="1" dirty="0">
+              <a:latin typeface="Times New Roman" panose="02020603050405020304" pitchFamily="18" charset="0"/>
+              <a:cs typeface="Times New Roman" panose="02020603050405020304" pitchFamily="18" charset="0"/>
+            </a:endParaRPr>
+          </a:p>
+          <a:p>
+            <a:pPr marL="0" indent="0">
+              <a:lnSpc>
+                <a:spcPct val="70000"/>
+              </a:lnSpc>
+              <a:buNone/>
+            </a:pPr>
+            <a:r>
+              <a:rPr lang="en-US" sz="2000" dirty="0">
+                <a:latin typeface="Times New Roman" panose="02020603050405020304" pitchFamily="18" charset="0"/>
+                <a:cs typeface="Times New Roman" panose="02020603050405020304" pitchFamily="18" charset="0"/>
+              </a:rPr>
+              <a:t>This dataset pertains to red variations of Portuguese “</a:t>
+            </a:r>
+            <a:r>
+              <a:rPr lang="en-US" sz="2000" dirty="0" err="1">
+                <a:latin typeface="Times New Roman" panose="02020603050405020304" pitchFamily="18" charset="0"/>
+                <a:cs typeface="Times New Roman" panose="02020603050405020304" pitchFamily="18" charset="0"/>
+              </a:rPr>
+              <a:t>Vinho</a:t>
+            </a:r>
+            <a:r>
+              <a:rPr lang="en-US" sz="2000" dirty="0">
+                <a:latin typeface="Times New Roman" panose="02020603050405020304" pitchFamily="18" charset="0"/>
+                <a:cs typeface="Times New Roman" panose="02020603050405020304" pitchFamily="18" charset="0"/>
+              </a:rPr>
+              <a:t> Verde” wine. It contains information about the quantities of different chemicals found in the wine and how they influence its overall quality. The dataset can be approached as either a classification or regression task. However, it’s important to note that the classes are ordered and not evenly distributed; for instance, there are more instances of normal-quality wines compared to excellent or poor ones.</a:t>
+            </a:r>
+          </a:p>
+          <a:p>
+            <a:pPr marL="0" indent="0">
+              <a:lnSpc>
+                <a:spcPct val="70000"/>
+              </a:lnSpc>
+              <a:buNone/>
+            </a:pPr>
+            <a:endParaRPr lang="en-US" sz="2000" dirty="0">
+              <a:latin typeface="Times New Roman" panose="02020603050405020304" pitchFamily="18" charset="0"/>
+              <a:cs typeface="Times New Roman" panose="02020603050405020304" pitchFamily="18" charset="0"/>
+            </a:endParaRPr>
+          </a:p>
+          <a:p>
+            <a:pPr marL="0" indent="0">
+              <a:lnSpc>
+                <a:spcPct val="70000"/>
+              </a:lnSpc>
+              <a:buNone/>
+            </a:pPr>
+            <a:r>
+              <a:rPr lang="en-US" sz="2000" dirty="0">
+                <a:latin typeface="Times New Roman" panose="02020603050405020304" pitchFamily="18" charset="0"/>
+                <a:cs typeface="Times New Roman" panose="02020603050405020304" pitchFamily="18" charset="0"/>
+              </a:rPr>
+              <a:t>Your objective is to use the provided data to predict the quality of wine. This project presents a straightforward yet demanding task: forecasting the quality of wine</a:t>
+            </a:r>
+            <a:r>
+              <a:rPr lang="en-US" sz="2000" dirty="0" smtClean="0">
+                <a:latin typeface="Times New Roman" panose="02020603050405020304" pitchFamily="18" charset="0"/>
+                <a:cs typeface="Times New Roman" panose="02020603050405020304" pitchFamily="18" charset="0"/>
+              </a:rPr>
+              <a:t>.</a:t>
+            </a:r>
+          </a:p>
+          <a:p>
+            <a:pPr marL="0" indent="0">
+              <a:lnSpc>
+                <a:spcPct val="70000"/>
+              </a:lnSpc>
+              <a:buNone/>
+            </a:pPr>
+            <a:endParaRPr lang="en-US" sz="2000" dirty="0">
+              <a:latin typeface="Times New Roman" panose="02020603050405020304" pitchFamily="18" charset="0"/>
+              <a:cs typeface="Times New Roman" panose="02020603050405020304" pitchFamily="18" charset="0"/>
+            </a:endParaRPr>
+          </a:p>
+          <a:p>
+            <a:pPr marL="0" indent="0">
+              <a:lnSpc>
+                <a:spcPct val="70000"/>
+              </a:lnSpc>
+              <a:buNone/>
+            </a:pPr>
+            <a:r>
+              <a:rPr lang="en-US" sz="2000" dirty="0" smtClean="0">
+                <a:latin typeface="Times New Roman" panose="02020603050405020304" pitchFamily="18" charset="0"/>
+                <a:cs typeface="Times New Roman" panose="02020603050405020304" pitchFamily="18" charset="0"/>
+              </a:rPr>
+              <a:t>Number of Columns: 12</a:t>
+            </a:r>
+          </a:p>
+          <a:p>
+            <a:pPr marL="0" indent="0">
+              <a:lnSpc>
+                <a:spcPct val="70000"/>
+              </a:lnSpc>
+              <a:buNone/>
+            </a:pPr>
+            <a:endParaRPr lang="en-US" sz="2000" dirty="0">
+              <a:latin typeface="Times New Roman" panose="02020603050405020304" pitchFamily="18" charset="0"/>
+              <a:cs typeface="Times New Roman" panose="02020603050405020304" pitchFamily="18" charset="0"/>
+            </a:endParaRPr>
+          </a:p>
+          <a:p>
+            <a:pPr marL="0" indent="0">
+              <a:lnSpc>
+                <a:spcPct val="70000"/>
+              </a:lnSpc>
+              <a:buNone/>
+            </a:pPr>
+            <a:r>
+              <a:rPr lang="en-US" sz="2000" dirty="0" smtClean="0">
+                <a:latin typeface="Times New Roman" panose="02020603050405020304" pitchFamily="18" charset="0"/>
+                <a:cs typeface="Times New Roman" panose="02020603050405020304" pitchFamily="18" charset="0"/>
+              </a:rPr>
+              <a:t>Number of Rows: </a:t>
+            </a:r>
+            <a:r>
+              <a:rPr lang="en-US" sz="2000" dirty="0">
+                <a:latin typeface="Times New Roman" panose="02020603050405020304" pitchFamily="18" charset="0"/>
+                <a:cs typeface="Times New Roman" panose="02020603050405020304" pitchFamily="18" charset="0"/>
+              </a:rPr>
+              <a:t>1599</a:t>
+            </a:r>
+          </a:p>
+        </p:txBody>
+      </p:sp>
+    </p:spTree>
+    <p:extLst>
+      <p:ext uri="{BB962C8B-B14F-4D97-AF65-F5344CB8AC3E}">
+        <p14:creationId xmlns:p14="http://schemas.microsoft.com/office/powerpoint/2010/main" val="453573729"/>
+      </p:ext>
+    </p:extLst>
+  </p:cSld>
+  <p:clrMapOvr>
+    <a:masterClrMapping/>
+  </p:clrMapOvr>
+  <mc:AlternateContent xmlns:mc="http://schemas.openxmlformats.org/markup-compatibility/2006" xmlns:p14="http://schemas.microsoft.com/office/powerpoint/2010/main">
+    <mc:Choice Requires="p14">
+      <p:transition spd="med" p14:dur="700">
+        <p:fade/>
+      </p:transition>
+    </mc:Choice>
+    <mc:Fallback xmlns="">
+      <p:transition spd="med">
+        <p:fade/>
+      </p:transition>
+    </mc:Fallback>
+  </mc:AlternateContent>
+</p:sld>
+</file>
+
+<file path=ppt/slides/slide6.xml><?xml version="1.0" encoding="utf-8"?>
+<p:sld xmlns:a="http://schemas.openxmlformats.org/drawingml/2006/main" xmlns:r="http://schemas.openxmlformats.org/officeDocument/2006/relationships" xmlns:p="http://schemas.openxmlformats.org/presentationml/2006/main">
+  <p:cSld>
+    <p:spTree>
+      <p:nvGrpSpPr>
+        <p:cNvPr id="1" name=""/>
+        <p:cNvGrpSpPr/>
+        <p:nvPr/>
+      </p:nvGrpSpPr>
+      <p:grpSpPr>
+        <a:xfrm>
+          <a:off x="0" y="0"/>
+          <a:ext cx="0" cy="0"/>
+          <a:chOff x="0" y="0"/>
+          <a:chExt cx="0" cy="0"/>
+        </a:xfrm>
+      </p:grpSpPr>
+      <p:sp>
+        <p:nvSpPr>
+          <p:cNvPr id="2" name="Title 1"/>
+          <p:cNvSpPr>
+            <a:spLocks noGrp="1"/>
+          </p:cNvSpPr>
+          <p:nvPr>
+            <p:ph type="title"/>
+          </p:nvPr>
+        </p:nvSpPr>
+        <p:spPr/>
+        <p:txBody>
+          <a:bodyPr/>
+          <a:lstStyle/>
+          <a:p>
+            <a:r>
+              <a:rPr lang="en-US" dirty="0" smtClean="0"/>
+              <a:t>About Data</a:t>
+            </a:r>
+            <a:endParaRPr lang="en-US" dirty="0"/>
+          </a:p>
+        </p:txBody>
+      </p:sp>
+      <p:sp>
+        <p:nvSpPr>
+          <p:cNvPr id="3" name="Content Placeholder 2"/>
+          <p:cNvSpPr>
+            <a:spLocks noGrp="1"/>
+          </p:cNvSpPr>
+          <p:nvPr>
+            <p:ph idx="1"/>
+          </p:nvPr>
+        </p:nvSpPr>
+        <p:spPr/>
+        <p:txBody>
+          <a:bodyPr>
             <a:normAutofit fontScale="32500" lnSpcReduction="20000"/>
           </a:bodyPr>
           <a:lstStyle/>
@@ -7796,10 +8058,6 @@
               </a:rPr>
               <a:t>(score between 0 and 10)</a:t>
             </a:r>
-            <a:endParaRPr lang="en-US" sz="4400" dirty="0">
-              <a:latin typeface="Times New Roman" panose="02020603050405020304" pitchFamily="18" charset="0"/>
-              <a:cs typeface="Times New Roman" panose="02020603050405020304" pitchFamily="18" charset="0"/>
-            </a:endParaRPr>
           </a:p>
         </p:txBody>
       </p:sp>
@@ -7828,7 +8086,7 @@
 </p:sld>
 </file>
 
-<file path=ppt/slides/slide6.xml><?xml version="1.0" encoding="utf-8"?>
+<file path=ppt/slides/slide7.xml><?xml version="1.0" encoding="utf-8"?>
 <p:sld xmlns:a="http://schemas.openxmlformats.org/drawingml/2006/main" xmlns:r="http://schemas.openxmlformats.org/officeDocument/2006/relationships" xmlns:p="http://schemas.openxmlformats.org/presentationml/2006/main">
   <p:cSld>
     <p:spTree>
@@ -7966,7 +8224,7 @@
 </p:sld>
 </file>
 
-<file path=ppt/slides/slide7.xml><?xml version="1.0" encoding="utf-8"?>
+<file path=ppt/slides/slide8.xml><?xml version="1.0" encoding="utf-8"?>
 <p:sld xmlns:a="http://schemas.openxmlformats.org/drawingml/2006/main" xmlns:r="http://schemas.openxmlformats.org/officeDocument/2006/relationships" xmlns:p="http://schemas.openxmlformats.org/presentationml/2006/main">
   <p:cSld>
     <p:spTree>
@@ -8080,7 +8338,7 @@
 </p:sld>
 </file>
 
-<file path=ppt/slides/slide8.xml><?xml version="1.0" encoding="utf-8"?>
+<file path=ppt/slides/slide9.xml><?xml version="1.0" encoding="utf-8"?>
 <p:sld xmlns:a="http://schemas.openxmlformats.org/drawingml/2006/main" xmlns:r="http://schemas.openxmlformats.org/officeDocument/2006/relationships" xmlns:p="http://schemas.openxmlformats.org/presentationml/2006/main">
   <p:cSld>
     <p:spTree>
@@ -8173,146 +8431,6 @@
     <p:extLst>
       <p:ext uri="{BB962C8B-B14F-4D97-AF65-F5344CB8AC3E}">
         <p14:creationId xmlns:p14="http://schemas.microsoft.com/office/powerpoint/2010/main" val="404071224"/>
-      </p:ext>
-    </p:extLst>
-  </p:cSld>
-  <p:clrMapOvr>
-    <a:masterClrMapping/>
-  </p:clrMapOvr>
-  <mc:AlternateContent xmlns:mc="http://schemas.openxmlformats.org/markup-compatibility/2006" xmlns:p14="http://schemas.microsoft.com/office/powerpoint/2010/main">
-    <mc:Choice Requires="p14">
-      <p:transition spd="med" p14:dur="700">
-        <p:fade/>
-      </p:transition>
-    </mc:Choice>
-    <mc:Fallback xmlns="">
-      <p:transition spd="med">
-        <p:fade/>
-      </p:transition>
-    </mc:Fallback>
-  </mc:AlternateContent>
-</p:sld>
-</file>
-
-<file path=ppt/slides/slide9.xml><?xml version="1.0" encoding="utf-8"?>
-<p:sld xmlns:a="http://schemas.openxmlformats.org/drawingml/2006/main" xmlns:r="http://schemas.openxmlformats.org/officeDocument/2006/relationships" xmlns:p="http://schemas.openxmlformats.org/presentationml/2006/main">
-  <p:cSld>
-    <p:spTree>
-      <p:nvGrpSpPr>
-        <p:cNvPr id="1" name=""/>
-        <p:cNvGrpSpPr/>
-        <p:nvPr/>
-      </p:nvGrpSpPr>
-      <p:grpSpPr>
-        <a:xfrm>
-          <a:off x="0" y="0"/>
-          <a:ext cx="0" cy="0"/>
-          <a:chOff x="0" y="0"/>
-          <a:chExt cx="0" cy="0"/>
-        </a:xfrm>
-      </p:grpSpPr>
-      <p:sp>
-        <p:nvSpPr>
-          <p:cNvPr id="2" name="Title 1"/>
-          <p:cNvSpPr>
-            <a:spLocks noGrp="1"/>
-          </p:cNvSpPr>
-          <p:nvPr>
-            <p:ph type="title"/>
-          </p:nvPr>
-        </p:nvSpPr>
-        <p:spPr/>
-        <p:txBody>
-          <a:bodyPr/>
-          <a:lstStyle/>
-          <a:p>
-            <a:r>
-              <a:rPr lang="en-US" dirty="0"/>
-              <a:t>Exploratory Data Analysis</a:t>
-            </a:r>
-            <a:endParaRPr lang="en-US" dirty="0"/>
-          </a:p>
-        </p:txBody>
-      </p:sp>
-      <p:sp>
-        <p:nvSpPr>
-          <p:cNvPr id="3" name="Content Placeholder 2"/>
-          <p:cNvSpPr>
-            <a:spLocks noGrp="1"/>
-          </p:cNvSpPr>
-          <p:nvPr>
-            <p:ph idx="1"/>
-          </p:nvPr>
-        </p:nvSpPr>
-        <p:spPr/>
-        <p:txBody>
-          <a:bodyPr/>
-          <a:lstStyle/>
-          <a:p>
-            <a:r>
-              <a:rPr lang="en-US" dirty="0"/>
-              <a:t>Multivariate </a:t>
-            </a:r>
-            <a:r>
-              <a:rPr lang="en-US" dirty="0" smtClean="0"/>
-              <a:t>Analysis: Correlation Plot</a:t>
-            </a:r>
-            <a:endParaRPr lang="en-US" dirty="0"/>
-          </a:p>
-        </p:txBody>
-      </p:sp>
-      <p:pic>
-        <p:nvPicPr>
-          <p:cNvPr id="4" name="Picture 3"/>
-          <p:cNvPicPr>
-            <a:picLocks noChangeAspect="1"/>
-          </p:cNvPicPr>
-          <p:nvPr/>
-        </p:nvPicPr>
-        <p:blipFill>
-          <a:blip r:embed="rId2"/>
-          <a:stretch>
-            <a:fillRect/>
-          </a:stretch>
-        </p:blipFill>
-        <p:spPr>
-          <a:xfrm>
-            <a:off x="609600" y="2254724"/>
-            <a:ext cx="4884752" cy="3850752"/>
-          </a:xfrm>
-          <a:prstGeom prst="rect">
-            <a:avLst/>
-          </a:prstGeom>
-        </p:spPr>
-      </p:pic>
-      <p:pic>
-        <p:nvPicPr>
-          <p:cNvPr id="5" name="Picture 4"/>
-          <p:cNvPicPr>
-            <a:picLocks noChangeAspect="1"/>
-          </p:cNvPicPr>
-          <p:nvPr/>
-        </p:nvPicPr>
-        <p:blipFill>
-          <a:blip r:embed="rId3"/>
-          <a:stretch>
-            <a:fillRect/>
-          </a:stretch>
-        </p:blipFill>
-        <p:spPr>
-          <a:xfrm>
-            <a:off x="5921783" y="2280124"/>
-            <a:ext cx="5660617" cy="3846039"/>
-          </a:xfrm>
-          <a:prstGeom prst="rect">
-            <a:avLst/>
-          </a:prstGeom>
-        </p:spPr>
-      </p:pic>
-    </p:spTree>
-    <p:extLst>
-      <p:ext uri="{BB962C8B-B14F-4D97-AF65-F5344CB8AC3E}">
-        <p14:creationId xmlns:p14="http://schemas.microsoft.com/office/powerpoint/2010/main" val="3629560857"/>
       </p:ext>
     </p:extLst>
   </p:cSld>

--- a/Wine Quality Analysis.pptx
+++ b/Wine Quality Analysis.pptx
@@ -5,40 +5,39 @@
     <p:sldMasterId id="2147483672" r:id="rId1"/>
   </p:sldMasterIdLst>
   <p:notesMasterIdLst>
-    <p:notesMasterId r:id="rId30"/>
+    <p:notesMasterId r:id="rId29"/>
   </p:notesMasterIdLst>
   <p:handoutMasterIdLst>
-    <p:handoutMasterId r:id="rId31"/>
+    <p:handoutMasterId r:id="rId30"/>
   </p:handoutMasterIdLst>
   <p:sldIdLst>
     <p:sldId id="270" r:id="rId2"/>
-    <p:sldId id="271" r:id="rId3"/>
-    <p:sldId id="273" r:id="rId4"/>
-    <p:sldId id="301" r:id="rId5"/>
-    <p:sldId id="284" r:id="rId6"/>
-    <p:sldId id="283" r:id="rId7"/>
-    <p:sldId id="274" r:id="rId8"/>
-    <p:sldId id="285" r:id="rId9"/>
-    <p:sldId id="286" r:id="rId10"/>
-    <p:sldId id="275" r:id="rId11"/>
-    <p:sldId id="287" r:id="rId12"/>
-    <p:sldId id="288" r:id="rId13"/>
-    <p:sldId id="289" r:id="rId14"/>
-    <p:sldId id="276" r:id="rId15"/>
-    <p:sldId id="300" r:id="rId16"/>
-    <p:sldId id="277" r:id="rId17"/>
-    <p:sldId id="290" r:id="rId18"/>
-    <p:sldId id="291" r:id="rId19"/>
-    <p:sldId id="292" r:id="rId20"/>
-    <p:sldId id="295" r:id="rId21"/>
-    <p:sldId id="296" r:id="rId22"/>
-    <p:sldId id="293" r:id="rId23"/>
-    <p:sldId id="294" r:id="rId24"/>
-    <p:sldId id="297" r:id="rId25"/>
-    <p:sldId id="298" r:id="rId26"/>
-    <p:sldId id="299" r:id="rId27"/>
-    <p:sldId id="281" r:id="rId28"/>
-    <p:sldId id="282" r:id="rId29"/>
+    <p:sldId id="273" r:id="rId3"/>
+    <p:sldId id="301" r:id="rId4"/>
+    <p:sldId id="284" r:id="rId5"/>
+    <p:sldId id="283" r:id="rId6"/>
+    <p:sldId id="274" r:id="rId7"/>
+    <p:sldId id="285" r:id="rId8"/>
+    <p:sldId id="286" r:id="rId9"/>
+    <p:sldId id="275" r:id="rId10"/>
+    <p:sldId id="287" r:id="rId11"/>
+    <p:sldId id="288" r:id="rId12"/>
+    <p:sldId id="289" r:id="rId13"/>
+    <p:sldId id="276" r:id="rId14"/>
+    <p:sldId id="300" r:id="rId15"/>
+    <p:sldId id="277" r:id="rId16"/>
+    <p:sldId id="290" r:id="rId17"/>
+    <p:sldId id="291" r:id="rId18"/>
+    <p:sldId id="292" r:id="rId19"/>
+    <p:sldId id="295" r:id="rId20"/>
+    <p:sldId id="296" r:id="rId21"/>
+    <p:sldId id="293" r:id="rId22"/>
+    <p:sldId id="294" r:id="rId23"/>
+    <p:sldId id="297" r:id="rId24"/>
+    <p:sldId id="298" r:id="rId25"/>
+    <p:sldId id="299" r:id="rId26"/>
+    <p:sldId id="281" r:id="rId27"/>
+    <p:sldId id="282" r:id="rId28"/>
   </p:sldIdLst>
   <p:sldSz cx="12192000" cy="6858000"/>
   <p:notesSz cx="6858000" cy="9144000"/>
@@ -4345,145 +4344,6 @@
       </p:sp>
       <p:pic>
         <p:nvPicPr>
-          <p:cNvPr id="4" name="Picture 3"/>
-          <p:cNvPicPr>
-            <a:picLocks noChangeAspect="1"/>
-          </p:cNvPicPr>
-          <p:nvPr/>
-        </p:nvPicPr>
-        <p:blipFill>
-          <a:blip r:embed="rId2"/>
-          <a:stretch>
-            <a:fillRect/>
-          </a:stretch>
-        </p:blipFill>
-        <p:spPr>
-          <a:xfrm>
-            <a:off x="609600" y="2254724"/>
-            <a:ext cx="4884752" cy="3850752"/>
-          </a:xfrm>
-          <a:prstGeom prst="rect">
-            <a:avLst/>
-          </a:prstGeom>
-        </p:spPr>
-      </p:pic>
-      <p:pic>
-        <p:nvPicPr>
-          <p:cNvPr id="5" name="Picture 4"/>
-          <p:cNvPicPr>
-            <a:picLocks noChangeAspect="1"/>
-          </p:cNvPicPr>
-          <p:nvPr/>
-        </p:nvPicPr>
-        <p:blipFill>
-          <a:blip r:embed="rId3"/>
-          <a:stretch>
-            <a:fillRect/>
-          </a:stretch>
-        </p:blipFill>
-        <p:spPr>
-          <a:xfrm>
-            <a:off x="5921783" y="2280124"/>
-            <a:ext cx="5660617" cy="3846039"/>
-          </a:xfrm>
-          <a:prstGeom prst="rect">
-            <a:avLst/>
-          </a:prstGeom>
-        </p:spPr>
-      </p:pic>
-    </p:spTree>
-    <p:extLst>
-      <p:ext uri="{BB962C8B-B14F-4D97-AF65-F5344CB8AC3E}">
-        <p14:creationId xmlns:p14="http://schemas.microsoft.com/office/powerpoint/2010/main" val="3629560857"/>
-      </p:ext>
-    </p:extLst>
-  </p:cSld>
-  <p:clrMapOvr>
-    <a:masterClrMapping/>
-  </p:clrMapOvr>
-  <mc:AlternateContent xmlns:mc="http://schemas.openxmlformats.org/markup-compatibility/2006" xmlns:p14="http://schemas.microsoft.com/office/powerpoint/2010/main">
-    <mc:Choice Requires="p14">
-      <p:transition spd="med" p14:dur="700">
-        <p:fade/>
-      </p:transition>
-    </mc:Choice>
-    <mc:Fallback xmlns="">
-      <p:transition spd="med">
-        <p:fade/>
-      </p:transition>
-    </mc:Fallback>
-  </mc:AlternateContent>
-</p:sld>
-</file>
-
-<file path=ppt/slides/slide11.xml><?xml version="1.0" encoding="utf-8"?>
-<p:sld xmlns:a="http://schemas.openxmlformats.org/drawingml/2006/main" xmlns:r="http://schemas.openxmlformats.org/officeDocument/2006/relationships" xmlns:p="http://schemas.openxmlformats.org/presentationml/2006/main">
-  <p:cSld>
-    <p:spTree>
-      <p:nvGrpSpPr>
-        <p:cNvPr id="1" name=""/>
-        <p:cNvGrpSpPr/>
-        <p:nvPr/>
-      </p:nvGrpSpPr>
-      <p:grpSpPr>
-        <a:xfrm>
-          <a:off x="0" y="0"/>
-          <a:ext cx="0" cy="0"/>
-          <a:chOff x="0" y="0"/>
-          <a:chExt cx="0" cy="0"/>
-        </a:xfrm>
-      </p:grpSpPr>
-      <p:sp>
-        <p:nvSpPr>
-          <p:cNvPr id="2" name="Title 1"/>
-          <p:cNvSpPr>
-            <a:spLocks noGrp="1"/>
-          </p:cNvSpPr>
-          <p:nvPr>
-            <p:ph type="title"/>
-          </p:nvPr>
-        </p:nvSpPr>
-        <p:spPr/>
-        <p:txBody>
-          <a:bodyPr/>
-          <a:lstStyle/>
-          <a:p>
-            <a:r>
-              <a:rPr lang="en-US" dirty="0"/>
-              <a:t>Exploratory Data Analysis</a:t>
-            </a:r>
-          </a:p>
-        </p:txBody>
-      </p:sp>
-      <p:sp>
-        <p:nvSpPr>
-          <p:cNvPr id="3" name="Content Placeholder 2"/>
-          <p:cNvSpPr>
-            <a:spLocks noGrp="1"/>
-          </p:cNvSpPr>
-          <p:nvPr>
-            <p:ph idx="1"/>
-          </p:nvPr>
-        </p:nvSpPr>
-        <p:spPr/>
-        <p:txBody>
-          <a:bodyPr/>
-          <a:lstStyle/>
-          <a:p>
-            <a:r>
-              <a:rPr lang="en-US" dirty="0"/>
-              <a:t>Multivariate </a:t>
-            </a:r>
-            <a:r>
-              <a:rPr lang="en-US" dirty="0" smtClean="0"/>
-              <a:t>Analysis: Correlation Plot</a:t>
-            </a:r>
-            <a:endParaRPr lang="en-US" dirty="0"/>
-          </a:p>
-        </p:txBody>
-      </p:sp>
-      <p:pic>
-        <p:nvPicPr>
           <p:cNvPr id="6" name="Picture 5"/>
           <p:cNvPicPr>
             <a:picLocks noChangeAspect="1"/>
@@ -4555,7 +4415,7 @@
 </p:sld>
 </file>
 
-<file path=ppt/slides/slide12.xml><?xml version="1.0" encoding="utf-8"?>
+<file path=ppt/slides/slide11.xml><?xml version="1.0" encoding="utf-8"?>
 <p:sld xmlns:a="http://schemas.openxmlformats.org/drawingml/2006/main" xmlns:r="http://schemas.openxmlformats.org/officeDocument/2006/relationships" xmlns:p="http://schemas.openxmlformats.org/presentationml/2006/main">
   <p:cSld>
     <p:spTree>
@@ -4694,7 +4554,7 @@
 </p:sld>
 </file>
 
-<file path=ppt/slides/slide13.xml><?xml version="1.0" encoding="utf-8"?>
+<file path=ppt/slides/slide12.xml><?xml version="1.0" encoding="utf-8"?>
 <p:sld xmlns:a="http://schemas.openxmlformats.org/drawingml/2006/main" xmlns:r="http://schemas.openxmlformats.org/officeDocument/2006/relationships" xmlns:p="http://schemas.openxmlformats.org/presentationml/2006/main">
   <p:cSld>
     <p:spTree>
@@ -4881,7 +4741,7 @@
 </p:sld>
 </file>
 
-<file path=ppt/slides/slide14.xml><?xml version="1.0" encoding="utf-8"?>
+<file path=ppt/slides/slide13.xml><?xml version="1.0" encoding="utf-8"?>
 <p:sld xmlns:a="http://schemas.openxmlformats.org/drawingml/2006/main" xmlns:r="http://schemas.openxmlformats.org/officeDocument/2006/relationships" xmlns:p="http://schemas.openxmlformats.org/presentationml/2006/main">
   <p:cSld>
     <p:spTree>
@@ -5013,7 +4873,7 @@
 </p:sld>
 </file>
 
-<file path=ppt/slides/slide15.xml><?xml version="1.0" encoding="utf-8"?>
+<file path=ppt/slides/slide14.xml><?xml version="1.0" encoding="utf-8"?>
 <p:sld xmlns:a="http://schemas.openxmlformats.org/drawingml/2006/main" xmlns:r="http://schemas.openxmlformats.org/officeDocument/2006/relationships" xmlns:p="http://schemas.openxmlformats.org/presentationml/2006/main">
   <p:cSld>
     <p:spTree>
@@ -5125,7 +4985,7 @@
 </p:sld>
 </file>
 
-<file path=ppt/slides/slide16.xml><?xml version="1.0" encoding="utf-8"?>
+<file path=ppt/slides/slide15.xml><?xml version="1.0" encoding="utf-8"?>
 <p:sld xmlns:a="http://schemas.openxmlformats.org/drawingml/2006/main" xmlns:r="http://schemas.openxmlformats.org/officeDocument/2006/relationships" xmlns:p="http://schemas.openxmlformats.org/presentationml/2006/main">
   <p:cSld>
     <p:spTree>
@@ -5264,7 +5124,7 @@
 </p:sld>
 </file>
 
-<file path=ppt/slides/slide17.xml><?xml version="1.0" encoding="utf-8"?>
+<file path=ppt/slides/slide16.xml><?xml version="1.0" encoding="utf-8"?>
 <p:sld xmlns:a="http://schemas.openxmlformats.org/drawingml/2006/main" xmlns:r="http://schemas.openxmlformats.org/officeDocument/2006/relationships" xmlns:p="http://schemas.openxmlformats.org/presentationml/2006/main">
   <p:cSld>
     <p:spTree>
@@ -5449,7 +5309,7 @@
 </p:sld>
 </file>
 
-<file path=ppt/slides/slide18.xml><?xml version="1.0" encoding="utf-8"?>
+<file path=ppt/slides/slide17.xml><?xml version="1.0" encoding="utf-8"?>
 <p:sld xmlns:a="http://schemas.openxmlformats.org/drawingml/2006/main" xmlns:r="http://schemas.openxmlformats.org/officeDocument/2006/relationships" xmlns:p="http://schemas.openxmlformats.org/presentationml/2006/main">
   <p:cSld>
     <p:spTree>
@@ -5562,7 +5422,7 @@
 </p:sld>
 </file>
 
-<file path=ppt/slides/slide19.xml><?xml version="1.0" encoding="utf-8"?>
+<file path=ppt/slides/slide18.xml><?xml version="1.0" encoding="utf-8"?>
 <p:sld xmlns:a="http://schemas.openxmlformats.org/drawingml/2006/main" xmlns:r="http://schemas.openxmlformats.org/officeDocument/2006/relationships" xmlns:p="http://schemas.openxmlformats.org/presentationml/2006/main">
   <p:cSld>
     <p:spTree>
@@ -5675,144 +5535,7 @@
 </p:sld>
 </file>
 
-<file path=ppt/slides/slide2.xml><?xml version="1.0" encoding="utf-8"?>
-<p:sld xmlns:a="http://schemas.openxmlformats.org/drawingml/2006/main" xmlns:r="http://schemas.openxmlformats.org/officeDocument/2006/relationships" xmlns:p="http://schemas.openxmlformats.org/presentationml/2006/main">
-  <p:cSld>
-    <p:spTree>
-      <p:nvGrpSpPr>
-        <p:cNvPr id="1" name=""/>
-        <p:cNvGrpSpPr/>
-        <p:nvPr/>
-      </p:nvGrpSpPr>
-      <p:grpSpPr>
-        <a:xfrm>
-          <a:off x="0" y="0"/>
-          <a:ext cx="0" cy="0"/>
-          <a:chOff x="0" y="0"/>
-          <a:chExt cx="0" cy="0"/>
-        </a:xfrm>
-      </p:grpSpPr>
-      <p:sp>
-        <p:nvSpPr>
-          <p:cNvPr id="2" name="Title 1"/>
-          <p:cNvSpPr>
-            <a:spLocks noGrp="1"/>
-          </p:cNvSpPr>
-          <p:nvPr>
-            <p:ph type="title"/>
-          </p:nvPr>
-        </p:nvSpPr>
-        <p:spPr/>
-        <p:txBody>
-          <a:bodyPr/>
-          <a:lstStyle/>
-          <a:p>
-            <a:r>
-              <a:rPr lang="en-US" dirty="0"/>
-              <a:t>Agenda</a:t>
-            </a:r>
-          </a:p>
-        </p:txBody>
-      </p:sp>
-      <p:sp>
-        <p:nvSpPr>
-          <p:cNvPr id="3" name="Content Placeholder 2"/>
-          <p:cNvSpPr>
-            <a:spLocks noGrp="1"/>
-          </p:cNvSpPr>
-          <p:nvPr>
-            <p:ph idx="1"/>
-          </p:nvPr>
-        </p:nvSpPr>
-        <p:spPr/>
-        <p:txBody>
-          <a:bodyPr/>
-          <a:lstStyle/>
-          <a:p>
-            <a:r>
-              <a:rPr lang="en-US"/>
-              <a:t>Review of Key Objectives &amp; Critical Success Factors.</a:t>
-            </a:r>
-          </a:p>
-          <a:p>
-            <a:r>
-              <a:rPr lang="en-US"/>
-              <a:t>How did we do?</a:t>
-            </a:r>
-          </a:p>
-          <a:p>
-            <a:r>
-              <a:rPr lang="en-US"/>
-              <a:t>Organizational Overview</a:t>
-            </a:r>
-          </a:p>
-          <a:p>
-            <a:r>
-              <a:rPr lang="en-US"/>
-              <a:t>Top Issues Facing Company.</a:t>
-            </a:r>
-          </a:p>
-          <a:p>
-            <a:r>
-              <a:rPr lang="en-US"/>
-              <a:t>Review of and Progress Against Prior Goals.</a:t>
-            </a:r>
-          </a:p>
-          <a:p>
-            <a:r>
-              <a:rPr lang="en-US"/>
-              <a:t>Revenue and Profit.</a:t>
-            </a:r>
-          </a:p>
-          <a:p>
-            <a:r>
-              <a:rPr lang="en-US"/>
-              <a:t>Key Spending Areas.</a:t>
-            </a:r>
-          </a:p>
-          <a:p>
-            <a:r>
-              <a:rPr lang="en-US"/>
-              <a:t>Headcount</a:t>
-            </a:r>
-          </a:p>
-          <a:p>
-            <a:r>
-              <a:rPr lang="en-US"/>
-              <a:t>Goals for Next Period.</a:t>
-            </a:r>
-          </a:p>
-          <a:p>
-            <a:endParaRPr lang="en-US" dirty="0"/>
-          </a:p>
-        </p:txBody>
-      </p:sp>
-    </p:spTree>
-    <p:extLst>
-      <p:ext uri="{BB962C8B-B14F-4D97-AF65-F5344CB8AC3E}">
-        <p14:creationId xmlns:p14="http://schemas.microsoft.com/office/powerpoint/2010/main" val="3410528100"/>
-      </p:ext>
-    </p:extLst>
-  </p:cSld>
-  <p:clrMapOvr>
-    <a:masterClrMapping/>
-  </p:clrMapOvr>
-  <mc:AlternateContent xmlns:mc="http://schemas.openxmlformats.org/markup-compatibility/2006" xmlns:p14="http://schemas.microsoft.com/office/powerpoint/2010/main">
-    <mc:Choice Requires="p14">
-      <p:transition spd="med" p14:dur="700">
-        <p:fade/>
-      </p:transition>
-    </mc:Choice>
-    <mc:Fallback xmlns="">
-      <p:transition spd="med">
-        <p:fade/>
-      </p:transition>
-    </mc:Fallback>
-  </mc:AlternateContent>
-</p:sld>
-</file>
-
-<file path=ppt/slides/slide20.xml><?xml version="1.0" encoding="utf-8"?>
+<file path=ppt/slides/slide19.xml><?xml version="1.0" encoding="utf-8"?>
 <p:sld xmlns:a="http://schemas.openxmlformats.org/drawingml/2006/main" xmlns:r="http://schemas.openxmlformats.org/officeDocument/2006/relationships" xmlns:p="http://schemas.openxmlformats.org/presentationml/2006/main">
   <p:cSld>
     <p:spTree>
@@ -5925,7 +5648,136 @@
 </p:sld>
 </file>
 
-<file path=ppt/slides/slide21.xml><?xml version="1.0" encoding="utf-8"?>
+<file path=ppt/slides/slide2.xml><?xml version="1.0" encoding="utf-8"?>
+<p:sld xmlns:a="http://schemas.openxmlformats.org/drawingml/2006/main" xmlns:r="http://schemas.openxmlformats.org/officeDocument/2006/relationships" xmlns:p="http://schemas.openxmlformats.org/presentationml/2006/main">
+  <p:cSld>
+    <p:spTree>
+      <p:nvGrpSpPr>
+        <p:cNvPr id="1" name=""/>
+        <p:cNvGrpSpPr/>
+        <p:nvPr/>
+      </p:nvGrpSpPr>
+      <p:grpSpPr>
+        <a:xfrm>
+          <a:off x="0" y="0"/>
+          <a:ext cx="0" cy="0"/>
+          <a:chOff x="0" y="0"/>
+          <a:chExt cx="0" cy="0"/>
+        </a:xfrm>
+      </p:grpSpPr>
+      <p:sp>
+        <p:nvSpPr>
+          <p:cNvPr id="2" name="Title 1"/>
+          <p:cNvSpPr>
+            <a:spLocks noGrp="1"/>
+          </p:cNvSpPr>
+          <p:nvPr>
+            <p:ph type="title"/>
+          </p:nvPr>
+        </p:nvSpPr>
+        <p:spPr/>
+        <p:txBody>
+          <a:bodyPr/>
+          <a:lstStyle/>
+          <a:p>
+            <a:r>
+              <a:rPr lang="en-US" dirty="0" smtClean="0"/>
+              <a:t>Problem Statement</a:t>
+            </a:r>
+            <a:endParaRPr lang="en-US" dirty="0"/>
+          </a:p>
+        </p:txBody>
+      </p:sp>
+      <p:sp>
+        <p:nvSpPr>
+          <p:cNvPr id="3" name="Content Placeholder 2"/>
+          <p:cNvSpPr>
+            <a:spLocks noGrp="1"/>
+          </p:cNvSpPr>
+          <p:nvPr>
+            <p:ph idx="1"/>
+          </p:nvPr>
+        </p:nvSpPr>
+        <p:spPr/>
+        <p:txBody>
+          <a:bodyPr/>
+          <a:lstStyle/>
+          <a:p>
+            <a:r>
+              <a:rPr lang="en-US" dirty="0"/>
+              <a:t>P</a:t>
+            </a:r>
+            <a:r>
+              <a:rPr lang="en-US" dirty="0" smtClean="0"/>
+              <a:t>rimary </a:t>
+            </a:r>
+            <a:r>
+              <a:rPr lang="en-US" dirty="0"/>
+              <a:t>objective is to understand the factors contributing to its overall quality. With a dataset comprising 1599 observations and 12 independent variables, including acidity, sugar content, sulfur dioxide levels, and alcohol </a:t>
+            </a:r>
+            <a:r>
+              <a:rPr lang="en-US" dirty="0" smtClean="0"/>
+              <a:t>concentration.</a:t>
+            </a:r>
+          </a:p>
+          <a:p>
+            <a:r>
+              <a:rPr lang="en-US" dirty="0"/>
+              <a:t>W</a:t>
+            </a:r>
+            <a:r>
+              <a:rPr lang="en-US" dirty="0" smtClean="0"/>
+              <a:t>e </a:t>
+            </a:r>
+            <a:r>
+              <a:rPr lang="en-US" dirty="0"/>
+              <a:t>aim to investigate how these chemical components influence the wine's quality rating, which ranges from 0 to 10. </a:t>
+            </a:r>
+            <a:endParaRPr lang="en-US" dirty="0" smtClean="0"/>
+          </a:p>
+          <a:p>
+            <a:r>
+              <a:rPr lang="en-US" dirty="0" smtClean="0"/>
+              <a:t>By </a:t>
+            </a:r>
+            <a:r>
+              <a:rPr lang="en-US" dirty="0"/>
+              <a:t>identifying the key contributors to wine quality, we strive to provide insights that can assist winemakers in enhancing their production processes and crafting superior-quality wines</a:t>
+            </a:r>
+            <a:r>
+              <a:rPr lang="en-US" dirty="0" smtClean="0"/>
+              <a:t>.</a:t>
+            </a:r>
+            <a:endParaRPr lang="en-US" dirty="0"/>
+          </a:p>
+        </p:txBody>
+      </p:sp>
+    </p:spTree>
+    <p:extLst>
+      <p:ext uri="{BB962C8B-B14F-4D97-AF65-F5344CB8AC3E}">
+        <p14:creationId xmlns:p14="http://schemas.microsoft.com/office/powerpoint/2010/main" val="1794587301"/>
+      </p:ext>
+    </p:extLst>
+  </p:cSld>
+  <p:clrMapOvr>
+    <a:masterClrMapping/>
+  </p:clrMapOvr>
+  <mc:AlternateContent xmlns:mc="http://schemas.openxmlformats.org/markup-compatibility/2006" xmlns:p14="http://schemas.microsoft.com/office/powerpoint/2010/main">
+    <mc:Choice Requires="p14">
+      <p:transition spd="med" p14:dur="700">
+        <p:fade/>
+      </p:transition>
+    </mc:Choice>
+    <mc:Fallback xmlns="">
+      <p:transition spd="med">
+        <p:fade/>
+      </p:transition>
+    </mc:Fallback>
+  </mc:AlternateContent>
+</p:sld>
+</file>
+
+<file path=ppt/slides/slide20.xml><?xml version="1.0" encoding="utf-8"?>
 <p:sld xmlns:a="http://schemas.openxmlformats.org/drawingml/2006/main" xmlns:r="http://schemas.openxmlformats.org/officeDocument/2006/relationships" xmlns:p="http://schemas.openxmlformats.org/presentationml/2006/main">
   <p:cSld>
     <p:spTree>
@@ -6062,7 +5914,7 @@
 </p:sld>
 </file>
 
-<file path=ppt/slides/slide22.xml><?xml version="1.0" encoding="utf-8"?>
+<file path=ppt/slides/slide21.xml><?xml version="1.0" encoding="utf-8"?>
 <p:sld xmlns:a="http://schemas.openxmlformats.org/drawingml/2006/main" xmlns:r="http://schemas.openxmlformats.org/officeDocument/2006/relationships" xmlns:p="http://schemas.openxmlformats.org/presentationml/2006/main">
   <p:cSld>
     <p:spTree>
@@ -6175,7 +6027,7 @@
 </p:sld>
 </file>
 
-<file path=ppt/slides/slide23.xml><?xml version="1.0" encoding="utf-8"?>
+<file path=ppt/slides/slide22.xml><?xml version="1.0" encoding="utf-8"?>
 <p:sld xmlns:a="http://schemas.openxmlformats.org/drawingml/2006/main" xmlns:r="http://schemas.openxmlformats.org/officeDocument/2006/relationships" xmlns:p="http://schemas.openxmlformats.org/presentationml/2006/main">
   <p:cSld>
     <p:spTree>
@@ -6311,7 +6163,7 @@
 </p:sld>
 </file>
 
-<file path=ppt/slides/slide24.xml><?xml version="1.0" encoding="utf-8"?>
+<file path=ppt/slides/slide23.xml><?xml version="1.0" encoding="utf-8"?>
 <p:sld xmlns:a="http://schemas.openxmlformats.org/drawingml/2006/main" xmlns:r="http://schemas.openxmlformats.org/officeDocument/2006/relationships" xmlns:p="http://schemas.openxmlformats.org/presentationml/2006/main">
   <p:cSld>
     <p:spTree>
@@ -6472,7 +6324,7 @@
 </p:sld>
 </file>
 
-<file path=ppt/slides/slide25.xml><?xml version="1.0" encoding="utf-8"?>
+<file path=ppt/slides/slide24.xml><?xml version="1.0" encoding="utf-8"?>
 <p:sld xmlns:a="http://schemas.openxmlformats.org/drawingml/2006/main" xmlns:r="http://schemas.openxmlformats.org/officeDocument/2006/relationships" xmlns:p="http://schemas.openxmlformats.org/presentationml/2006/main">
   <p:cSld>
     <p:spTree>
@@ -6633,7 +6485,7 @@
 </p:sld>
 </file>
 
-<file path=ppt/slides/slide26.xml><?xml version="1.0" encoding="utf-8"?>
+<file path=ppt/slides/slide25.xml><?xml version="1.0" encoding="utf-8"?>
 <p:sld xmlns:a="http://schemas.openxmlformats.org/drawingml/2006/main" xmlns:r="http://schemas.openxmlformats.org/officeDocument/2006/relationships" xmlns:p="http://schemas.openxmlformats.org/presentationml/2006/main">
   <p:cSld>
     <p:spTree>
@@ -6794,7 +6646,7 @@
 </p:sld>
 </file>
 
-<file path=ppt/slides/slide27.xml><?xml version="1.0" encoding="utf-8"?>
+<file path=ppt/slides/slide26.xml><?xml version="1.0" encoding="utf-8"?>
 <p:sld xmlns:a="http://schemas.openxmlformats.org/drawingml/2006/main" xmlns:r="http://schemas.openxmlformats.org/officeDocument/2006/relationships" xmlns:p="http://schemas.openxmlformats.org/presentationml/2006/main">
   <p:cSld>
     <p:spTree>
@@ -6997,7 +6849,7 @@
 </p:sld>
 </file>
 
-<file path=ppt/slides/slide28.xml><?xml version="1.0" encoding="utf-8"?>
+<file path=ppt/slides/slide27.xml><?xml version="1.0" encoding="utf-8"?>
 <p:sld xmlns:a="http://schemas.openxmlformats.org/drawingml/2006/main" xmlns:r="http://schemas.openxmlformats.org/officeDocument/2006/relationships" xmlns:p="http://schemas.openxmlformats.org/presentationml/2006/main">
   <p:cSld>
     <p:spTree>
@@ -7127,7 +6979,7 @@
           <a:p>
             <a:r>
               <a:rPr lang="en-US" dirty="0" smtClean="0"/>
-              <a:t>Problem Statement</a:t>
+              <a:t>Data Collection</a:t>
             </a:r>
             <a:endParaRPr lang="en-US" dirty="0"/>
           </a:p>
@@ -7149,58 +7001,53 @@
           <a:lstStyle/>
           <a:p>
             <a:r>
+              <a:rPr lang="en-US" b="1" dirty="0" err="1" smtClean="0"/>
+              <a:t>Kaggle</a:t>
+            </a:r>
+            <a:r>
+              <a:rPr lang="en-US" dirty="0" smtClean="0"/>
+              <a:t> link</a:t>
+            </a:r>
+            <a:r>
               <a:rPr lang="en-US" dirty="0"/>
-              <a:t>P</a:t>
-            </a:r>
-            <a:r>
-              <a:rPr lang="en-US" dirty="0" smtClean="0"/>
-              <a:t>rimary </a:t>
-            </a:r>
+              <a:t>: https://www.kaggle.com/datasets/yasserh/wine-quality-datasetWe aim to investigate how these chemical components influence the wine's quality rating, which ranges from 0 to 10. </a:t>
+            </a:r>
+            <a:endParaRPr lang="en-US" dirty="0" smtClean="0"/>
+          </a:p>
+          <a:p>
             <a:r>
               <a:rPr lang="en-US" dirty="0"/>
-              <a:t>objective is to understand the factors contributing to its overall quality. With a dataset comprising 1599 observations and 12 independent variables, including acidity, sugar content, sulfur dioxide levels, and alcohol </a:t>
-            </a:r>
-            <a:r>
-              <a:rPr lang="en-US" dirty="0" smtClean="0"/>
-              <a:t>concentration.</a:t>
-            </a:r>
-          </a:p>
-          <a:p>
+              <a:t>This dataset pertains to red variations of Portuguese "</a:t>
+            </a:r>
+            <a:r>
+              <a:rPr lang="en-US" dirty="0" err="1"/>
+              <a:t>Vinho</a:t>
+            </a:r>
             <a:r>
               <a:rPr lang="en-US" dirty="0"/>
-              <a:t>W</a:t>
-            </a:r>
-            <a:r>
-              <a:rPr lang="en-US" dirty="0" smtClean="0"/>
-              <a:t>e </a:t>
-            </a:r>
-            <a:r>
-              <a:rPr lang="en-US" dirty="0"/>
-              <a:t>aim to investigate how these chemical components influence the wine's quality rating, which ranges from 0 to 10. </a:t>
-            </a:r>
-            <a:endParaRPr lang="en-US" dirty="0" smtClean="0"/>
-          </a:p>
-          <a:p>
-            <a:r>
-              <a:rPr lang="en-US" dirty="0" smtClean="0"/>
-              <a:t>By </a:t>
-            </a:r>
-            <a:r>
-              <a:rPr lang="en-US" dirty="0"/>
-              <a:t>identifying the key contributors to wine quality, we strive to provide insights that can assist winemakers in enhancing their production processes and crafting superior-quality wines</a:t>
+              <a:t> Verde" wine. It contains information about the quantities of different chemicals found in the wine and how they influence its overall quality. The dataset can be approached as either a classification or regression task. However, it's important to note that the classes are ordered and not evenly distributed; for instance, there are more instances of normal-quality wines compared to excellent or poor ones</a:t>
             </a:r>
             <a:r>
               <a:rPr lang="en-US" dirty="0" smtClean="0"/>
               <a:t>.</a:t>
             </a:r>
-            <a:endParaRPr lang="en-US" dirty="0"/>
+          </a:p>
+          <a:p>
+            <a:r>
+              <a:rPr lang="en-US" dirty="0" err="1"/>
+              <a:t>Updation</a:t>
+            </a:r>
+            <a:r>
+              <a:rPr lang="en-US" dirty="0"/>
+              <a:t> frequency: Annually </a:t>
+            </a:r>
           </a:p>
         </p:txBody>
       </p:sp>
     </p:spTree>
     <p:extLst>
       <p:ext uri="{BB962C8B-B14F-4D97-AF65-F5344CB8AC3E}">
-        <p14:creationId xmlns:p14="http://schemas.microsoft.com/office/powerpoint/2010/main" val="1794587301"/>
+        <p14:creationId xmlns:p14="http://schemas.microsoft.com/office/powerpoint/2010/main" val="1986789041"/>
       </p:ext>
     </p:extLst>
   </p:cSld>
@@ -7256,7 +7103,7 @@
           <a:p>
             <a:r>
               <a:rPr lang="en-US" dirty="0" smtClean="0"/>
-              <a:t>Data Collection</a:t>
+              <a:t>About Data</a:t>
             </a:r>
             <a:endParaRPr lang="en-US" dirty="0"/>
           </a:p>
@@ -7274,62 +7121,167 @@
         </p:nvSpPr>
         <p:spPr/>
         <p:txBody>
-          <a:bodyPr/>
+          <a:bodyPr>
+            <a:normAutofit/>
+          </a:bodyPr>
           <a:lstStyle/>
           <a:p>
-            <a:r>
-              <a:rPr lang="en-US" b="1" dirty="0" err="1" smtClean="0"/>
-              <a:t>Kaggle</a:t>
-            </a:r>
-            <a:r>
-              <a:rPr lang="en-US" dirty="0" smtClean="0"/>
-              <a:t> link</a:t>
-            </a:r>
-            <a:r>
-              <a:rPr lang="en-US" dirty="0"/>
-              <a:t>: https://www.kaggle.com/datasets/yasserh/wine-quality-datasetWe </a:t>
-            </a:r>
-            <a:r>
-              <a:rPr lang="en-US" dirty="0"/>
-              <a:t>aim to investigate how these chemical components influence the wine's quality rating, which ranges from 0 to 10. </a:t>
-            </a:r>
-            <a:endParaRPr lang="en-US" dirty="0" smtClean="0"/>
-          </a:p>
-          <a:p>
-            <a:r>
-              <a:rPr lang="en-US" dirty="0"/>
-              <a:t>This dataset pertains to red variations of Portuguese "</a:t>
-            </a:r>
-            <a:r>
-              <a:rPr lang="en-US" dirty="0" err="1"/>
+            <a:pPr marL="0" indent="0">
+              <a:lnSpc>
+                <a:spcPct val="70000"/>
+              </a:lnSpc>
+              <a:buNone/>
+            </a:pPr>
+            <a:r>
+              <a:rPr lang="en-US" sz="2000" b="1" dirty="0">
+                <a:latin typeface="Times New Roman" panose="02020603050405020304" pitchFamily="18" charset="0"/>
+                <a:cs typeface="Times New Roman" panose="02020603050405020304" pitchFamily="18" charset="0"/>
+              </a:rPr>
+              <a:t>Description:</a:t>
+            </a:r>
+          </a:p>
+          <a:p>
+            <a:pPr marL="0" indent="0">
+              <a:lnSpc>
+                <a:spcPct val="70000"/>
+              </a:lnSpc>
+              <a:buNone/>
+            </a:pPr>
+            <a:endParaRPr lang="en-US" sz="2000" b="1" dirty="0">
+              <a:latin typeface="Times New Roman" panose="02020603050405020304" pitchFamily="18" charset="0"/>
+              <a:cs typeface="Times New Roman" panose="02020603050405020304" pitchFamily="18" charset="0"/>
+            </a:endParaRPr>
+          </a:p>
+          <a:p>
+            <a:pPr marL="0" indent="0">
+              <a:lnSpc>
+                <a:spcPct val="70000"/>
+              </a:lnSpc>
+              <a:buNone/>
+            </a:pPr>
+            <a:r>
+              <a:rPr lang="en-US" sz="2000" dirty="0">
+                <a:latin typeface="Times New Roman" panose="02020603050405020304" pitchFamily="18" charset="0"/>
+                <a:cs typeface="Times New Roman" panose="02020603050405020304" pitchFamily="18" charset="0"/>
+              </a:rPr>
+              <a:t>This dataset pertains to red variations of Portuguese “</a:t>
+            </a:r>
+            <a:r>
+              <a:rPr lang="en-US" sz="2000" dirty="0" err="1">
+                <a:latin typeface="Times New Roman" panose="02020603050405020304" pitchFamily="18" charset="0"/>
+                <a:cs typeface="Times New Roman" panose="02020603050405020304" pitchFamily="18" charset="0"/>
+              </a:rPr>
               <a:t>Vinho</a:t>
             </a:r>
             <a:r>
-              <a:rPr lang="en-US" dirty="0"/>
-              <a:t> Verde" wine. It contains information about the quantities of different chemicals found in the wine and how they influence its overall quality. The dataset can be approached as either a classification or regression task. However, it's important to note that the classes are ordered and not evenly distributed; for instance, there are more instances of normal-quality wines compared to excellent or poor ones</a:t>
-            </a:r>
-            <a:r>
-              <a:rPr lang="en-US" dirty="0" smtClean="0"/>
+              <a:rPr lang="en-US" sz="2000" dirty="0">
+                <a:latin typeface="Times New Roman" panose="02020603050405020304" pitchFamily="18" charset="0"/>
+                <a:cs typeface="Times New Roman" panose="02020603050405020304" pitchFamily="18" charset="0"/>
+              </a:rPr>
+              <a:t> Verde” wine. It contains information about the quantities of different chemicals found in the wine and how they influence its overall quality. The dataset can be approached as either a classification or regression task. However, it’s important to note that the classes are ordered and not evenly distributed; for instance, there are more instances of normal-quality wines compared to excellent or poor ones.</a:t>
+            </a:r>
+          </a:p>
+          <a:p>
+            <a:pPr marL="0" indent="0">
+              <a:lnSpc>
+                <a:spcPct val="70000"/>
+              </a:lnSpc>
+              <a:buNone/>
+            </a:pPr>
+            <a:endParaRPr lang="en-US" sz="2000" dirty="0">
+              <a:latin typeface="Times New Roman" panose="02020603050405020304" pitchFamily="18" charset="0"/>
+              <a:cs typeface="Times New Roman" panose="02020603050405020304" pitchFamily="18" charset="0"/>
+            </a:endParaRPr>
+          </a:p>
+          <a:p>
+            <a:pPr marL="0" indent="0">
+              <a:lnSpc>
+                <a:spcPct val="70000"/>
+              </a:lnSpc>
+              <a:buNone/>
+            </a:pPr>
+            <a:r>
+              <a:rPr lang="en-US" sz="2000" dirty="0">
+                <a:latin typeface="Times New Roman" panose="02020603050405020304" pitchFamily="18" charset="0"/>
+                <a:cs typeface="Times New Roman" panose="02020603050405020304" pitchFamily="18" charset="0"/>
+              </a:rPr>
+              <a:t>Your objective is to use the provided data to predict the quality of wine. This project presents a straightforward yet demanding task: forecasting the quality of wine</a:t>
+            </a:r>
+            <a:r>
+              <a:rPr lang="en-US" sz="2000" dirty="0" smtClean="0">
+                <a:latin typeface="Times New Roman" panose="02020603050405020304" pitchFamily="18" charset="0"/>
+                <a:cs typeface="Times New Roman" panose="02020603050405020304" pitchFamily="18" charset="0"/>
+              </a:rPr>
               <a:t>.</a:t>
             </a:r>
           </a:p>
           <a:p>
-            <a:r>
-              <a:rPr lang="en-US" dirty="0" err="1"/>
-              <a:t>Updation</a:t>
-            </a:r>
-            <a:r>
-              <a:rPr lang="en-US" dirty="0"/>
-              <a:t> frequency: Annually </a:t>
-            </a:r>
-            <a:endParaRPr lang="en-US" dirty="0"/>
+            <a:pPr marL="0" indent="0">
+              <a:lnSpc>
+                <a:spcPct val="70000"/>
+              </a:lnSpc>
+              <a:buNone/>
+            </a:pPr>
+            <a:endParaRPr lang="en-US" sz="2000" dirty="0">
+              <a:latin typeface="Times New Roman" panose="02020603050405020304" pitchFamily="18" charset="0"/>
+              <a:cs typeface="Times New Roman" panose="02020603050405020304" pitchFamily="18" charset="0"/>
+            </a:endParaRPr>
+          </a:p>
+          <a:p>
+            <a:pPr marL="0" indent="0">
+              <a:lnSpc>
+                <a:spcPct val="70000"/>
+              </a:lnSpc>
+              <a:buNone/>
+            </a:pPr>
+            <a:r>
+              <a:rPr lang="en-US" sz="2000" dirty="0" smtClean="0">
+                <a:latin typeface="Times New Roman" panose="02020603050405020304" pitchFamily="18" charset="0"/>
+                <a:cs typeface="Times New Roman" panose="02020603050405020304" pitchFamily="18" charset="0"/>
+              </a:rPr>
+              <a:t>Number of Columns: 12</a:t>
+            </a:r>
+          </a:p>
+          <a:p>
+            <a:pPr marL="0" indent="0">
+              <a:lnSpc>
+                <a:spcPct val="70000"/>
+              </a:lnSpc>
+              <a:buNone/>
+            </a:pPr>
+            <a:endParaRPr lang="en-US" sz="2000" dirty="0">
+              <a:latin typeface="Times New Roman" panose="02020603050405020304" pitchFamily="18" charset="0"/>
+              <a:cs typeface="Times New Roman" panose="02020603050405020304" pitchFamily="18" charset="0"/>
+            </a:endParaRPr>
+          </a:p>
+          <a:p>
+            <a:pPr marL="0" indent="0">
+              <a:lnSpc>
+                <a:spcPct val="70000"/>
+              </a:lnSpc>
+              <a:buNone/>
+            </a:pPr>
+            <a:r>
+              <a:rPr lang="en-US" sz="2000" dirty="0" smtClean="0">
+                <a:latin typeface="Times New Roman" panose="02020603050405020304" pitchFamily="18" charset="0"/>
+                <a:cs typeface="Times New Roman" panose="02020603050405020304" pitchFamily="18" charset="0"/>
+              </a:rPr>
+              <a:t>Number of Rows: </a:t>
+            </a:r>
+            <a:r>
+              <a:rPr lang="en-US" sz="2000" dirty="0">
+                <a:latin typeface="Times New Roman" panose="02020603050405020304" pitchFamily="18" charset="0"/>
+                <a:cs typeface="Times New Roman" panose="02020603050405020304" pitchFamily="18" charset="0"/>
+              </a:rPr>
+              <a:t>1599</a:t>
+            </a:r>
           </a:p>
         </p:txBody>
       </p:sp>
     </p:spTree>
     <p:extLst>
       <p:ext uri="{BB962C8B-B14F-4D97-AF65-F5344CB8AC3E}">
-        <p14:creationId xmlns:p14="http://schemas.microsoft.com/office/powerpoint/2010/main" val="1986789041"/>
+        <p14:creationId xmlns:p14="http://schemas.microsoft.com/office/powerpoint/2010/main" val="453573729"/>
       </p:ext>
     </p:extLst>
   </p:cSld>
@@ -7404,240 +7356,6 @@
         <p:spPr/>
         <p:txBody>
           <a:bodyPr>
-            <a:normAutofit/>
-          </a:bodyPr>
-          <a:lstStyle/>
-          <a:p>
-            <a:pPr marL="0" indent="0">
-              <a:lnSpc>
-                <a:spcPct val="70000"/>
-              </a:lnSpc>
-              <a:buNone/>
-            </a:pPr>
-            <a:r>
-              <a:rPr lang="en-US" sz="2000" b="1" dirty="0">
-                <a:latin typeface="Times New Roman" panose="02020603050405020304" pitchFamily="18" charset="0"/>
-                <a:cs typeface="Times New Roman" panose="02020603050405020304" pitchFamily="18" charset="0"/>
-              </a:rPr>
-              <a:t>Description:</a:t>
-            </a:r>
-          </a:p>
-          <a:p>
-            <a:pPr marL="0" indent="0">
-              <a:lnSpc>
-                <a:spcPct val="70000"/>
-              </a:lnSpc>
-              <a:buNone/>
-            </a:pPr>
-            <a:endParaRPr lang="en-US" sz="2000" b="1" dirty="0">
-              <a:latin typeface="Times New Roman" panose="02020603050405020304" pitchFamily="18" charset="0"/>
-              <a:cs typeface="Times New Roman" panose="02020603050405020304" pitchFamily="18" charset="0"/>
-            </a:endParaRPr>
-          </a:p>
-          <a:p>
-            <a:pPr marL="0" indent="0">
-              <a:lnSpc>
-                <a:spcPct val="70000"/>
-              </a:lnSpc>
-              <a:buNone/>
-            </a:pPr>
-            <a:r>
-              <a:rPr lang="en-US" sz="2000" dirty="0">
-                <a:latin typeface="Times New Roman" panose="02020603050405020304" pitchFamily="18" charset="0"/>
-                <a:cs typeface="Times New Roman" panose="02020603050405020304" pitchFamily="18" charset="0"/>
-              </a:rPr>
-              <a:t>This dataset pertains to red variations of Portuguese “</a:t>
-            </a:r>
-            <a:r>
-              <a:rPr lang="en-US" sz="2000" dirty="0" err="1">
-                <a:latin typeface="Times New Roman" panose="02020603050405020304" pitchFamily="18" charset="0"/>
-                <a:cs typeface="Times New Roman" panose="02020603050405020304" pitchFamily="18" charset="0"/>
-              </a:rPr>
-              <a:t>Vinho</a:t>
-            </a:r>
-            <a:r>
-              <a:rPr lang="en-US" sz="2000" dirty="0">
-                <a:latin typeface="Times New Roman" panose="02020603050405020304" pitchFamily="18" charset="0"/>
-                <a:cs typeface="Times New Roman" panose="02020603050405020304" pitchFamily="18" charset="0"/>
-              </a:rPr>
-              <a:t> Verde” wine. It contains information about the quantities of different chemicals found in the wine and how they influence its overall quality. The dataset can be approached as either a classification or regression task. However, it’s important to note that the classes are ordered and not evenly distributed; for instance, there are more instances of normal-quality wines compared to excellent or poor ones.</a:t>
-            </a:r>
-          </a:p>
-          <a:p>
-            <a:pPr marL="0" indent="0">
-              <a:lnSpc>
-                <a:spcPct val="70000"/>
-              </a:lnSpc>
-              <a:buNone/>
-            </a:pPr>
-            <a:endParaRPr lang="en-US" sz="2000" dirty="0">
-              <a:latin typeface="Times New Roman" panose="02020603050405020304" pitchFamily="18" charset="0"/>
-              <a:cs typeface="Times New Roman" panose="02020603050405020304" pitchFamily="18" charset="0"/>
-            </a:endParaRPr>
-          </a:p>
-          <a:p>
-            <a:pPr marL="0" indent="0">
-              <a:lnSpc>
-                <a:spcPct val="70000"/>
-              </a:lnSpc>
-              <a:buNone/>
-            </a:pPr>
-            <a:r>
-              <a:rPr lang="en-US" sz="2000" dirty="0">
-                <a:latin typeface="Times New Roman" panose="02020603050405020304" pitchFamily="18" charset="0"/>
-                <a:cs typeface="Times New Roman" panose="02020603050405020304" pitchFamily="18" charset="0"/>
-              </a:rPr>
-              <a:t>Your objective is to use the provided data to predict the quality of wine. This project presents a straightforward yet demanding task: forecasting the quality of wine</a:t>
-            </a:r>
-            <a:r>
-              <a:rPr lang="en-US" sz="2000" dirty="0" smtClean="0">
-                <a:latin typeface="Times New Roman" panose="02020603050405020304" pitchFamily="18" charset="0"/>
-                <a:cs typeface="Times New Roman" panose="02020603050405020304" pitchFamily="18" charset="0"/>
-              </a:rPr>
-              <a:t>.</a:t>
-            </a:r>
-          </a:p>
-          <a:p>
-            <a:pPr marL="0" indent="0">
-              <a:lnSpc>
-                <a:spcPct val="70000"/>
-              </a:lnSpc>
-              <a:buNone/>
-            </a:pPr>
-            <a:endParaRPr lang="en-US" sz="2000" dirty="0">
-              <a:latin typeface="Times New Roman" panose="02020603050405020304" pitchFamily="18" charset="0"/>
-              <a:cs typeface="Times New Roman" panose="02020603050405020304" pitchFamily="18" charset="0"/>
-            </a:endParaRPr>
-          </a:p>
-          <a:p>
-            <a:pPr marL="0" indent="0">
-              <a:lnSpc>
-                <a:spcPct val="70000"/>
-              </a:lnSpc>
-              <a:buNone/>
-            </a:pPr>
-            <a:r>
-              <a:rPr lang="en-US" sz="2000" dirty="0" smtClean="0">
-                <a:latin typeface="Times New Roman" panose="02020603050405020304" pitchFamily="18" charset="0"/>
-                <a:cs typeface="Times New Roman" panose="02020603050405020304" pitchFamily="18" charset="0"/>
-              </a:rPr>
-              <a:t>Number of Columns: 12</a:t>
-            </a:r>
-          </a:p>
-          <a:p>
-            <a:pPr marL="0" indent="0">
-              <a:lnSpc>
-                <a:spcPct val="70000"/>
-              </a:lnSpc>
-              <a:buNone/>
-            </a:pPr>
-            <a:endParaRPr lang="en-US" sz="2000" dirty="0">
-              <a:latin typeface="Times New Roman" panose="02020603050405020304" pitchFamily="18" charset="0"/>
-              <a:cs typeface="Times New Roman" panose="02020603050405020304" pitchFamily="18" charset="0"/>
-            </a:endParaRPr>
-          </a:p>
-          <a:p>
-            <a:pPr marL="0" indent="0">
-              <a:lnSpc>
-                <a:spcPct val="70000"/>
-              </a:lnSpc>
-              <a:buNone/>
-            </a:pPr>
-            <a:r>
-              <a:rPr lang="en-US" sz="2000" dirty="0" smtClean="0">
-                <a:latin typeface="Times New Roman" panose="02020603050405020304" pitchFamily="18" charset="0"/>
-                <a:cs typeface="Times New Roman" panose="02020603050405020304" pitchFamily="18" charset="0"/>
-              </a:rPr>
-              <a:t>Number of Rows: </a:t>
-            </a:r>
-            <a:r>
-              <a:rPr lang="en-US" sz="2000" dirty="0">
-                <a:latin typeface="Times New Roman" panose="02020603050405020304" pitchFamily="18" charset="0"/>
-                <a:cs typeface="Times New Roman" panose="02020603050405020304" pitchFamily="18" charset="0"/>
-              </a:rPr>
-              <a:t>1599</a:t>
-            </a:r>
-          </a:p>
-        </p:txBody>
-      </p:sp>
-    </p:spTree>
-    <p:extLst>
-      <p:ext uri="{BB962C8B-B14F-4D97-AF65-F5344CB8AC3E}">
-        <p14:creationId xmlns:p14="http://schemas.microsoft.com/office/powerpoint/2010/main" val="453573729"/>
-      </p:ext>
-    </p:extLst>
-  </p:cSld>
-  <p:clrMapOvr>
-    <a:masterClrMapping/>
-  </p:clrMapOvr>
-  <mc:AlternateContent xmlns:mc="http://schemas.openxmlformats.org/markup-compatibility/2006" xmlns:p14="http://schemas.microsoft.com/office/powerpoint/2010/main">
-    <mc:Choice Requires="p14">
-      <p:transition spd="med" p14:dur="700">
-        <p:fade/>
-      </p:transition>
-    </mc:Choice>
-    <mc:Fallback xmlns="">
-      <p:transition spd="med">
-        <p:fade/>
-      </p:transition>
-    </mc:Fallback>
-  </mc:AlternateContent>
-</p:sld>
-</file>
-
-<file path=ppt/slides/slide6.xml><?xml version="1.0" encoding="utf-8"?>
-<p:sld xmlns:a="http://schemas.openxmlformats.org/drawingml/2006/main" xmlns:r="http://schemas.openxmlformats.org/officeDocument/2006/relationships" xmlns:p="http://schemas.openxmlformats.org/presentationml/2006/main">
-  <p:cSld>
-    <p:spTree>
-      <p:nvGrpSpPr>
-        <p:cNvPr id="1" name=""/>
-        <p:cNvGrpSpPr/>
-        <p:nvPr/>
-      </p:nvGrpSpPr>
-      <p:grpSpPr>
-        <a:xfrm>
-          <a:off x="0" y="0"/>
-          <a:ext cx="0" cy="0"/>
-          <a:chOff x="0" y="0"/>
-          <a:chExt cx="0" cy="0"/>
-        </a:xfrm>
-      </p:grpSpPr>
-      <p:sp>
-        <p:nvSpPr>
-          <p:cNvPr id="2" name="Title 1"/>
-          <p:cNvSpPr>
-            <a:spLocks noGrp="1"/>
-          </p:cNvSpPr>
-          <p:nvPr>
-            <p:ph type="title"/>
-          </p:nvPr>
-        </p:nvSpPr>
-        <p:spPr/>
-        <p:txBody>
-          <a:bodyPr/>
-          <a:lstStyle/>
-          <a:p>
-            <a:r>
-              <a:rPr lang="en-US" dirty="0" smtClean="0"/>
-              <a:t>About Data</a:t>
-            </a:r>
-            <a:endParaRPr lang="en-US" dirty="0"/>
-          </a:p>
-        </p:txBody>
-      </p:sp>
-      <p:sp>
-        <p:nvSpPr>
-          <p:cNvPr id="3" name="Content Placeholder 2"/>
-          <p:cNvSpPr>
-            <a:spLocks noGrp="1"/>
-          </p:cNvSpPr>
-          <p:nvPr>
-            <p:ph idx="1"/>
-          </p:nvPr>
-        </p:nvSpPr>
-        <p:spPr/>
-        <p:txBody>
-          <a:bodyPr>
             <a:normAutofit fontScale="32500" lnSpcReduction="20000"/>
           </a:bodyPr>
           <a:lstStyle/>
@@ -8086,7 +7804,7 @@
 </p:sld>
 </file>
 
-<file path=ppt/slides/slide7.xml><?xml version="1.0" encoding="utf-8"?>
+<file path=ppt/slides/slide6.xml><?xml version="1.0" encoding="utf-8"?>
 <p:sld xmlns:a="http://schemas.openxmlformats.org/drawingml/2006/main" xmlns:r="http://schemas.openxmlformats.org/officeDocument/2006/relationships" xmlns:p="http://schemas.openxmlformats.org/presentationml/2006/main">
   <p:cSld>
     <p:spTree>
@@ -8224,7 +7942,7 @@
 </p:sld>
 </file>
 
-<file path=ppt/slides/slide8.xml><?xml version="1.0" encoding="utf-8"?>
+<file path=ppt/slides/slide7.xml><?xml version="1.0" encoding="utf-8"?>
 <p:sld xmlns:a="http://schemas.openxmlformats.org/drawingml/2006/main" xmlns:r="http://schemas.openxmlformats.org/officeDocument/2006/relationships" xmlns:p="http://schemas.openxmlformats.org/presentationml/2006/main">
   <p:cSld>
     <p:spTree>
@@ -8338,7 +8056,7 @@
 </p:sld>
 </file>
 
-<file path=ppt/slides/slide9.xml><?xml version="1.0" encoding="utf-8"?>
+<file path=ppt/slides/slide8.xml><?xml version="1.0" encoding="utf-8"?>
 <p:sld xmlns:a="http://schemas.openxmlformats.org/drawingml/2006/main" xmlns:r="http://schemas.openxmlformats.org/officeDocument/2006/relationships" xmlns:p="http://schemas.openxmlformats.org/presentationml/2006/main">
   <p:cSld>
     <p:spTree>
@@ -8431,6 +8149,145 @@
     <p:extLst>
       <p:ext uri="{BB962C8B-B14F-4D97-AF65-F5344CB8AC3E}">
         <p14:creationId xmlns:p14="http://schemas.microsoft.com/office/powerpoint/2010/main" val="404071224"/>
+      </p:ext>
+    </p:extLst>
+  </p:cSld>
+  <p:clrMapOvr>
+    <a:masterClrMapping/>
+  </p:clrMapOvr>
+  <mc:AlternateContent xmlns:mc="http://schemas.openxmlformats.org/markup-compatibility/2006" xmlns:p14="http://schemas.microsoft.com/office/powerpoint/2010/main">
+    <mc:Choice Requires="p14">
+      <p:transition spd="med" p14:dur="700">
+        <p:fade/>
+      </p:transition>
+    </mc:Choice>
+    <mc:Fallback xmlns="">
+      <p:transition spd="med">
+        <p:fade/>
+      </p:transition>
+    </mc:Fallback>
+  </mc:AlternateContent>
+</p:sld>
+</file>
+
+<file path=ppt/slides/slide9.xml><?xml version="1.0" encoding="utf-8"?>
+<p:sld xmlns:a="http://schemas.openxmlformats.org/drawingml/2006/main" xmlns:r="http://schemas.openxmlformats.org/officeDocument/2006/relationships" xmlns:p="http://schemas.openxmlformats.org/presentationml/2006/main">
+  <p:cSld>
+    <p:spTree>
+      <p:nvGrpSpPr>
+        <p:cNvPr id="1" name=""/>
+        <p:cNvGrpSpPr/>
+        <p:nvPr/>
+      </p:nvGrpSpPr>
+      <p:grpSpPr>
+        <a:xfrm>
+          <a:off x="0" y="0"/>
+          <a:ext cx="0" cy="0"/>
+          <a:chOff x="0" y="0"/>
+          <a:chExt cx="0" cy="0"/>
+        </a:xfrm>
+      </p:grpSpPr>
+      <p:sp>
+        <p:nvSpPr>
+          <p:cNvPr id="2" name="Title 1"/>
+          <p:cNvSpPr>
+            <a:spLocks noGrp="1"/>
+          </p:cNvSpPr>
+          <p:nvPr>
+            <p:ph type="title"/>
+          </p:nvPr>
+        </p:nvSpPr>
+        <p:spPr/>
+        <p:txBody>
+          <a:bodyPr/>
+          <a:lstStyle/>
+          <a:p>
+            <a:r>
+              <a:rPr lang="en-US" dirty="0"/>
+              <a:t>Exploratory Data Analysis</a:t>
+            </a:r>
+          </a:p>
+        </p:txBody>
+      </p:sp>
+      <p:sp>
+        <p:nvSpPr>
+          <p:cNvPr id="3" name="Content Placeholder 2"/>
+          <p:cNvSpPr>
+            <a:spLocks noGrp="1"/>
+          </p:cNvSpPr>
+          <p:nvPr>
+            <p:ph idx="1"/>
+          </p:nvPr>
+        </p:nvSpPr>
+        <p:spPr/>
+        <p:txBody>
+          <a:bodyPr/>
+          <a:lstStyle/>
+          <a:p>
+            <a:r>
+              <a:rPr lang="en-US" dirty="0"/>
+              <a:t>Multivariate </a:t>
+            </a:r>
+            <a:r>
+              <a:rPr lang="en-US" dirty="0" smtClean="0"/>
+              <a:t>Analysis: Correlation Plot</a:t>
+            </a:r>
+            <a:endParaRPr lang="en-US" dirty="0"/>
+          </a:p>
+        </p:txBody>
+      </p:sp>
+      <p:pic>
+        <p:nvPicPr>
+          <p:cNvPr id="4" name="Picture 3"/>
+          <p:cNvPicPr>
+            <a:picLocks noChangeAspect="1"/>
+          </p:cNvPicPr>
+          <p:nvPr/>
+        </p:nvPicPr>
+        <p:blipFill>
+          <a:blip r:embed="rId2"/>
+          <a:stretch>
+            <a:fillRect/>
+          </a:stretch>
+        </p:blipFill>
+        <p:spPr>
+          <a:xfrm>
+            <a:off x="609600" y="2254724"/>
+            <a:ext cx="4884752" cy="3850752"/>
+          </a:xfrm>
+          <a:prstGeom prst="rect">
+            <a:avLst/>
+          </a:prstGeom>
+        </p:spPr>
+      </p:pic>
+      <p:pic>
+        <p:nvPicPr>
+          <p:cNvPr id="5" name="Picture 4"/>
+          <p:cNvPicPr>
+            <a:picLocks noChangeAspect="1"/>
+          </p:cNvPicPr>
+          <p:nvPr/>
+        </p:nvPicPr>
+        <p:blipFill>
+          <a:blip r:embed="rId3"/>
+          <a:stretch>
+            <a:fillRect/>
+          </a:stretch>
+        </p:blipFill>
+        <p:spPr>
+          <a:xfrm>
+            <a:off x="5921783" y="2280124"/>
+            <a:ext cx="5660617" cy="3846039"/>
+          </a:xfrm>
+          <a:prstGeom prst="rect">
+            <a:avLst/>
+          </a:prstGeom>
+        </p:spPr>
+      </p:pic>
+    </p:spTree>
+    <p:extLst>
+      <p:ext uri="{BB962C8B-B14F-4D97-AF65-F5344CB8AC3E}">
+        <p14:creationId xmlns:p14="http://schemas.microsoft.com/office/powerpoint/2010/main" val="3629560857"/>
       </p:ext>
     </p:extLst>
   </p:cSld>
